--- a/Document library/ppt/zookeeper.pptx
+++ b/Document library/ppt/zookeeper.pptx
@@ -5,35 +5,36 @@
     <p:sldMasterId id="2147483648" r:id="rId1"/>
   </p:sldMasterIdLst>
   <p:notesMasterIdLst>
-    <p:notesMasterId r:id="rId7"/>
+    <p:notesMasterId r:id="rId8"/>
   </p:notesMasterIdLst>
   <p:sldIdLst>
     <p:sldId id="271" r:id="rId2"/>
-    <p:sldId id="258" r:id="rId3"/>
-    <p:sldId id="262" r:id="rId4"/>
-    <p:sldId id="261" r:id="rId5"/>
-    <p:sldId id="278" r:id="rId6"/>
+    <p:sldId id="279" r:id="rId3"/>
+    <p:sldId id="258" r:id="rId4"/>
+    <p:sldId id="262" r:id="rId5"/>
+    <p:sldId id="261" r:id="rId6"/>
+    <p:sldId id="278" r:id="rId7"/>
   </p:sldIdLst>
   <p:sldSz cx="12192000" cy="6858000"/>
   <p:notesSz cx="6858000" cy="9144000"/>
   <p:embeddedFontLst>
     <p:embeddedFont>
       <p:font typeface="汉仪黑荔枝体简" panose="02010600030101010101" charset="-122"/>
-      <p:regular r:id="rId8"/>
+      <p:regular r:id="rId9"/>
     </p:embeddedFont>
     <p:embeddedFont>
       <p:font typeface="迷你简准圆" panose="02010600030101010101" charset="-122"/>
-      <p:regular r:id="rId9"/>
+      <p:regular r:id="rId10"/>
     </p:embeddedFont>
     <p:embeddedFont>
       <p:font typeface="等线" panose="02010600030101010101" pitchFamily="2" charset="-122"/>
-      <p:regular r:id="rId10"/>
-      <p:bold r:id="rId11"/>
+      <p:regular r:id="rId11"/>
+      <p:bold r:id="rId12"/>
     </p:embeddedFont>
     <p:embeddedFont>
       <p:font typeface="微软雅黑" panose="020B0503020204020204" pitchFamily="34" charset="-122"/>
-      <p:regular r:id="rId12"/>
-      <p:bold r:id="rId13"/>
+      <p:regular r:id="rId13"/>
+      <p:bold r:id="rId14"/>
     </p:embeddedFont>
   </p:embeddedFontLst>
   <p:defaultTextStyle>
@@ -634,6 +635,11 @@
         </p:txBody>
       </p:sp>
     </p:spTree>
+    <p:extLst>
+      <p:ext uri="{BB962C8B-B14F-4D97-AF65-F5344CB8AC3E}">
+        <p14:creationId xmlns:p14="http://schemas.microsoft.com/office/powerpoint/2010/main" val="3448522794"/>
+      </p:ext>
+    </p:extLst>
   </p:cSld>
   <p:clrMapOvr>
     <a:masterClrMapping/>
@@ -865,6 +871,85 @@
             <a:fld id="{034586B1-16A4-4A75-8504-E52F78528046}" type="slidenum">
               <a:rPr lang="zh-CN" altLang="en-US" smtClean="0"/>
               <a:t>5</a:t>
+            </a:fld>
+            <a:endParaRPr lang="zh-CN" altLang="en-US"/>
+          </a:p>
+        </p:txBody>
+      </p:sp>
+    </p:spTree>
+  </p:cSld>
+  <p:clrMapOvr>
+    <a:masterClrMapping/>
+  </p:clrMapOvr>
+</p:notes>
+</file>
+
+<file path=ppt/notesSlides/notesSlide6.xml><?xml version="1.0" encoding="utf-8"?>
+<p:notes xmlns:a="http://schemas.openxmlformats.org/drawingml/2006/main" xmlns:r="http://schemas.openxmlformats.org/officeDocument/2006/relationships" xmlns:p="http://schemas.openxmlformats.org/presentationml/2006/main">
+  <p:cSld>
+    <p:spTree>
+      <p:nvGrpSpPr>
+        <p:cNvPr id="1" name=""/>
+        <p:cNvGrpSpPr/>
+        <p:nvPr/>
+      </p:nvGrpSpPr>
+      <p:grpSpPr>
+        <a:xfrm>
+          <a:off x="0" y="0"/>
+          <a:ext cx="0" cy="0"/>
+          <a:chOff x="0" y="0"/>
+          <a:chExt cx="0" cy="0"/>
+        </a:xfrm>
+      </p:grpSpPr>
+      <p:sp>
+        <p:nvSpPr>
+          <p:cNvPr id="2" name="幻灯片图像占位符 1"/>
+          <p:cNvSpPr>
+            <a:spLocks noGrp="1" noRot="1" noChangeAspect="1"/>
+          </p:cNvSpPr>
+          <p:nvPr>
+            <p:ph type="sldImg"/>
+          </p:nvPr>
+        </p:nvSpPr>
+        <p:spPr/>
+      </p:sp>
+      <p:sp>
+        <p:nvSpPr>
+          <p:cNvPr id="3" name="备注占位符 2"/>
+          <p:cNvSpPr>
+            <a:spLocks noGrp="1"/>
+          </p:cNvSpPr>
+          <p:nvPr>
+            <p:ph type="body" idx="1"/>
+          </p:nvPr>
+        </p:nvSpPr>
+        <p:spPr/>
+        <p:txBody>
+          <a:bodyPr/>
+          <a:lstStyle/>
+          <a:p>
+            <a:endParaRPr lang="zh-CN" altLang="en-US"/>
+          </a:p>
+        </p:txBody>
+      </p:sp>
+      <p:sp>
+        <p:nvSpPr>
+          <p:cNvPr id="4" name="灯片编号占位符 3"/>
+          <p:cNvSpPr>
+            <a:spLocks noGrp="1"/>
+          </p:cNvSpPr>
+          <p:nvPr>
+            <p:ph type="sldNum" sz="quarter" idx="10"/>
+          </p:nvPr>
+        </p:nvSpPr>
+        <p:spPr/>
+        <p:txBody>
+          <a:bodyPr/>
+          <a:lstStyle/>
+          <a:p>
+            <a:fld id="{034586B1-16A4-4A75-8504-E52F78528046}" type="slidenum">
+              <a:rPr lang="zh-CN" altLang="en-US" smtClean="0"/>
+              <a:t>6</a:t>
             </a:fld>
             <a:endParaRPr lang="zh-CN" altLang="en-US"/>
           </a:p>
@@ -4151,6 +4236,670 @@
 </file>
 
 <file path=ppt/slides/slide2.xml><?xml version="1.0" encoding="utf-8"?>
+<p:sld xmlns:a="http://schemas.openxmlformats.org/drawingml/2006/main" xmlns:r="http://schemas.openxmlformats.org/officeDocument/2006/relationships" xmlns:p="http://schemas.openxmlformats.org/presentationml/2006/main">
+  <p:cSld>
+    <p:spTree>
+      <p:nvGrpSpPr>
+        <p:cNvPr id="1" name=""/>
+        <p:cNvGrpSpPr/>
+        <p:nvPr/>
+      </p:nvGrpSpPr>
+      <p:grpSpPr>
+        <a:xfrm>
+          <a:off x="0" y="0"/>
+          <a:ext cx="0" cy="0"/>
+          <a:chOff x="0" y="0"/>
+          <a:chExt cx="0" cy="0"/>
+        </a:xfrm>
+      </p:grpSpPr>
+      <p:pic>
+        <p:nvPicPr>
+          <p:cNvPr id="2" name="图片 1"/>
+          <p:cNvPicPr>
+            <a:picLocks noChangeAspect="1"/>
+          </p:cNvPicPr>
+          <p:nvPr/>
+        </p:nvPicPr>
+        <p:blipFill>
+          <a:blip r:embed="rId3"/>
+          <a:stretch>
+            <a:fillRect/>
+          </a:stretch>
+        </p:blipFill>
+        <p:spPr>
+          <a:xfrm rot="20632978">
+            <a:off x="1197313" y="1895217"/>
+            <a:ext cx="719991" cy="2579843"/>
+          </a:xfrm>
+          <a:prstGeom prst="rect">
+            <a:avLst/>
+          </a:prstGeom>
+        </p:spPr>
+      </p:pic>
+      <p:sp>
+        <p:nvSpPr>
+          <p:cNvPr id="3" name="任意多边形 2"/>
+          <p:cNvSpPr/>
+          <p:nvPr/>
+        </p:nvSpPr>
+        <p:spPr>
+          <a:xfrm>
+            <a:off x="2696210" y="4152265"/>
+            <a:ext cx="6828790" cy="170815"/>
+          </a:xfrm>
+          <a:custGeom>
+            <a:avLst/>
+            <a:gdLst>
+              <a:gd name="connsiteX0" fmla="*/ 0 w 5613400"/>
+              <a:gd name="connsiteY0" fmla="*/ 114821 h 140512"/>
+              <a:gd name="connsiteX1" fmla="*/ 660400 w 5613400"/>
+              <a:gd name="connsiteY1" fmla="*/ 521 h 140512"/>
+              <a:gd name="connsiteX2" fmla="*/ 1536700 w 5613400"/>
+              <a:gd name="connsiteY2" fmla="*/ 89421 h 140512"/>
+              <a:gd name="connsiteX3" fmla="*/ 2438400 w 5613400"/>
+              <a:gd name="connsiteY3" fmla="*/ 521 h 140512"/>
+              <a:gd name="connsiteX4" fmla="*/ 3441700 w 5613400"/>
+              <a:gd name="connsiteY4" fmla="*/ 140221 h 140512"/>
+              <a:gd name="connsiteX5" fmla="*/ 4432300 w 5613400"/>
+              <a:gd name="connsiteY5" fmla="*/ 38621 h 140512"/>
+              <a:gd name="connsiteX6" fmla="*/ 4940300 w 5613400"/>
+              <a:gd name="connsiteY6" fmla="*/ 89421 h 140512"/>
+              <a:gd name="connsiteX7" fmla="*/ 5613400 w 5613400"/>
+              <a:gd name="connsiteY7" fmla="*/ 521 h 140512"/>
+            </a:gdLst>
+            <a:ahLst/>
+            <a:cxnLst>
+              <a:cxn ang="0">
+                <a:pos x="connsiteX0" y="connsiteY0"/>
+              </a:cxn>
+              <a:cxn ang="0">
+                <a:pos x="connsiteX1" y="connsiteY1"/>
+              </a:cxn>
+              <a:cxn ang="0">
+                <a:pos x="connsiteX2" y="connsiteY2"/>
+              </a:cxn>
+              <a:cxn ang="0">
+                <a:pos x="connsiteX3" y="connsiteY3"/>
+              </a:cxn>
+              <a:cxn ang="0">
+                <a:pos x="connsiteX4" y="connsiteY4"/>
+              </a:cxn>
+              <a:cxn ang="0">
+                <a:pos x="connsiteX5" y="connsiteY5"/>
+              </a:cxn>
+              <a:cxn ang="0">
+                <a:pos x="connsiteX6" y="connsiteY6"/>
+              </a:cxn>
+              <a:cxn ang="0">
+                <a:pos x="connsiteX7" y="connsiteY7"/>
+              </a:cxn>
+            </a:cxnLst>
+            <a:rect l="l" t="t" r="r" b="b"/>
+            <a:pathLst>
+              <a:path w="5613400" h="140512">
+                <a:moveTo>
+                  <a:pt x="0" y="114821"/>
+                </a:moveTo>
+                <a:cubicBezTo>
+                  <a:pt x="202141" y="59787"/>
+                  <a:pt x="404283" y="4754"/>
+                  <a:pt x="660400" y="521"/>
+                </a:cubicBezTo>
+                <a:cubicBezTo>
+                  <a:pt x="916517" y="-3712"/>
+                  <a:pt x="1240367" y="89421"/>
+                  <a:pt x="1536700" y="89421"/>
+                </a:cubicBezTo>
+                <a:cubicBezTo>
+                  <a:pt x="1833033" y="89421"/>
+                  <a:pt x="2120900" y="-7946"/>
+                  <a:pt x="2438400" y="521"/>
+                </a:cubicBezTo>
+                <a:cubicBezTo>
+                  <a:pt x="2755900" y="8988"/>
+                  <a:pt x="3109383" y="133871"/>
+                  <a:pt x="3441700" y="140221"/>
+                </a:cubicBezTo>
+                <a:cubicBezTo>
+                  <a:pt x="3774017" y="146571"/>
+                  <a:pt x="4182534" y="47088"/>
+                  <a:pt x="4432300" y="38621"/>
+                </a:cubicBezTo>
+                <a:cubicBezTo>
+                  <a:pt x="4682066" y="30154"/>
+                  <a:pt x="4743450" y="95771"/>
+                  <a:pt x="4940300" y="89421"/>
+                </a:cubicBezTo>
+                <a:cubicBezTo>
+                  <a:pt x="5137150" y="83071"/>
+                  <a:pt x="5375275" y="41796"/>
+                  <a:pt x="5613400" y="521"/>
+                </a:cubicBezTo>
+              </a:path>
+            </a:pathLst>
+          </a:custGeom>
+          <a:noFill/>
+          <a:ln w="38100">
+            <a:solidFill>
+              <a:srgbClr val="1B1B1A"/>
+            </a:solidFill>
+            <a:prstDash val="sysDash"/>
+          </a:ln>
+        </p:spPr>
+        <p:style>
+          <a:lnRef idx="2">
+            <a:schemeClr val="accent1">
+              <a:shade val="50000"/>
+            </a:schemeClr>
+          </a:lnRef>
+          <a:fillRef idx="1">
+            <a:schemeClr val="accent1"/>
+          </a:fillRef>
+          <a:effectRef idx="0">
+            <a:schemeClr val="accent1"/>
+          </a:effectRef>
+          <a:fontRef idx="minor">
+            <a:schemeClr val="lt1"/>
+          </a:fontRef>
+        </p:style>
+        <p:txBody>
+          <a:bodyPr rtlCol="0" anchor="ctr"/>
+          <a:lstStyle/>
+          <a:p>
+            <a:pPr algn="ctr"/>
+            <a:endParaRPr lang="zh-CN" altLang="en-US"/>
+          </a:p>
+        </p:txBody>
+      </p:sp>
+      <p:sp>
+        <p:nvSpPr>
+          <p:cNvPr id="4" name="文本框 3"/>
+          <p:cNvSpPr txBox="1"/>
+          <p:nvPr/>
+        </p:nvSpPr>
+        <p:spPr>
+          <a:xfrm>
+            <a:off x="2696210" y="2649220"/>
+            <a:ext cx="7345680" cy="829945"/>
+          </a:xfrm>
+          <a:prstGeom prst="rect">
+            <a:avLst/>
+          </a:prstGeom>
+          <a:noFill/>
+        </p:spPr>
+        <p:txBody>
+          <a:bodyPr wrap="square" rtlCol="0">
+            <a:spAutoFit/>
+          </a:bodyPr>
+          <a:lstStyle/>
+          <a:p>
+            <a:r>
+              <a:rPr lang="en-US" altLang="zh-CN" sz="4800" dirty="0">
+                <a:ln>
+                  <a:solidFill>
+                    <a:srgbClr val="20201E"/>
+                  </a:solidFill>
+                </a:ln>
+                <a:blipFill dpi="0" rotWithShape="1">
+                  <a:blip r:embed="rId4"/>
+                  <a:srcRect/>
+                  <a:stretch>
+                    <a:fillRect/>
+                  </a:stretch>
+                </a:blipFill>
+                <a:latin typeface="汉仪黑荔枝体简" panose="00020600040101010101" pitchFamily="18" charset="-122"/>
+                <a:ea typeface="汉仪黑荔枝体简" panose="00020600040101010101" pitchFamily="18" charset="-122"/>
+              </a:rPr>
+              <a:t>Zookeeper-</a:t>
+            </a:r>
+            <a:r>
+              <a:rPr lang="zh-CN" altLang="en-US" sz="4800" dirty="0">
+                <a:ln>
+                  <a:solidFill>
+                    <a:srgbClr val="20201E"/>
+                  </a:solidFill>
+                </a:ln>
+                <a:blipFill dpi="0" rotWithShape="1">
+                  <a:blip r:embed="rId4"/>
+                  <a:srcRect/>
+                  <a:stretch>
+                    <a:fillRect/>
+                  </a:stretch>
+                </a:blipFill>
+                <a:latin typeface="汉仪黑荔枝体简" panose="00020600040101010101" pitchFamily="18" charset="-122"/>
+                <a:ea typeface="汉仪黑荔枝体简" panose="00020600040101010101" pitchFamily="18" charset="-122"/>
+              </a:rPr>
+              <a:t>基础篇</a:t>
+            </a:r>
+            <a:r>
+              <a:rPr lang="en-US" altLang="zh-CN" sz="4800" dirty="0">
+                <a:ln>
+                  <a:solidFill>
+                    <a:srgbClr val="20201E"/>
+                  </a:solidFill>
+                </a:ln>
+                <a:blipFill dpi="0" rotWithShape="1">
+                  <a:blip r:embed="rId4"/>
+                  <a:srcRect/>
+                  <a:stretch>
+                    <a:fillRect/>
+                  </a:stretch>
+                </a:blipFill>
+                <a:latin typeface="汉仪黑荔枝体简" panose="00020600040101010101" pitchFamily="18" charset="-122"/>
+                <a:ea typeface="汉仪黑荔枝体简" panose="00020600040101010101" pitchFamily="18" charset="-122"/>
+              </a:rPr>
+              <a:t>-</a:t>
+            </a:r>
+            <a:r>
+              <a:rPr lang="zh-CN" altLang="en-US" sz="4800" dirty="0">
+                <a:ln>
+                  <a:solidFill>
+                    <a:srgbClr val="20201E"/>
+                  </a:solidFill>
+                </a:ln>
+                <a:blipFill dpi="0" rotWithShape="1">
+                  <a:blip r:embed="rId4"/>
+                  <a:srcRect/>
+                  <a:stretch>
+                    <a:fillRect/>
+                  </a:stretch>
+                </a:blipFill>
+                <a:latin typeface="汉仪黑荔枝体简" panose="00020600040101010101" pitchFamily="18" charset="-122"/>
+                <a:ea typeface="汉仪黑荔枝体简" panose="00020600040101010101" pitchFamily="18" charset="-122"/>
+              </a:rPr>
+              <a:t>安装</a:t>
+            </a:r>
+          </a:p>
+        </p:txBody>
+      </p:sp>
+      <p:sp>
+        <p:nvSpPr>
+          <p:cNvPr id="5" name="文本框 4"/>
+          <p:cNvSpPr txBox="1"/>
+          <p:nvPr/>
+        </p:nvSpPr>
+        <p:spPr>
+          <a:xfrm>
+            <a:off x="2771624" y="3624470"/>
+            <a:ext cx="6858000" cy="270715"/>
+          </a:xfrm>
+          <a:prstGeom prst="rect">
+            <a:avLst/>
+          </a:prstGeom>
+          <a:noFill/>
+        </p:spPr>
+        <p:txBody>
+          <a:bodyPr wrap="square" rtlCol="0">
+            <a:spAutoFit/>
+            <a:scene3d>
+              <a:camera prst="orthographicFront"/>
+              <a:lightRig rig="threePt" dir="t"/>
+            </a:scene3d>
+            <a:sp3d contourW="12700"/>
+          </a:bodyPr>
+          <a:lstStyle/>
+          <a:p>
+            <a:pPr>
+              <a:lnSpc>
+                <a:spcPct val="114000"/>
+              </a:lnSpc>
+            </a:pPr>
+            <a:r>
+              <a:rPr lang="en-US" altLang="zh-CN" sz="1100" dirty="0">
+                <a:solidFill>
+                  <a:schemeClr val="bg1">
+                    <a:lumMod val="50000"/>
+                  </a:schemeClr>
+                </a:solidFill>
+                <a:latin typeface="+mj-ea"/>
+                <a:ea typeface="+mj-ea"/>
+              </a:rPr>
+              <a:t>He can help better manage calls between services. Let you write business code with confidence.</a:t>
+            </a:r>
+          </a:p>
+        </p:txBody>
+      </p:sp>
+    </p:spTree>
+    <p:extLst>
+      <p:ext uri="{BB962C8B-B14F-4D97-AF65-F5344CB8AC3E}">
+        <p14:creationId xmlns:p14="http://schemas.microsoft.com/office/powerpoint/2010/main" val="3448029961"/>
+      </p:ext>
+    </p:extLst>
+  </p:cSld>
+  <p:clrMapOvr>
+    <a:masterClrMapping/>
+  </p:clrMapOvr>
+  <mc:AlternateContent xmlns:mc="http://schemas.openxmlformats.org/markup-compatibility/2006" xmlns:p14="http://schemas.microsoft.com/office/powerpoint/2010/main">
+    <mc:Choice Requires="p14">
+      <p:transition spd="slow" p14:dur="1500" advTm="0">
+        <p:random/>
+      </p:transition>
+    </mc:Choice>
+    <mc:Fallback xmlns="">
+      <p:transition spd="slow" advTm="0">
+        <p:random/>
+      </p:transition>
+    </mc:Fallback>
+  </mc:AlternateContent>
+  <p:timing>
+    <p:tnLst>
+      <p:par>
+        <p:cTn id="1" dur="indefinite" restart="never" nodeType="tmRoot">
+          <p:childTnLst>
+            <p:seq concurrent="1" nextAc="seek">
+              <p:cTn id="2" dur="indefinite" nodeType="mainSeq">
+                <p:childTnLst>
+                  <p:par>
+                    <p:cTn id="3" fill="hold">
+                      <p:stCondLst>
+                        <p:cond delay="indefinite"/>
+                        <p:cond evt="onBegin" delay="0">
+                          <p:tn val="2"/>
+                        </p:cond>
+                      </p:stCondLst>
+                      <p:childTnLst>
+                        <p:par>
+                          <p:cTn id="4" fill="hold">
+                            <p:stCondLst>
+                              <p:cond delay="0"/>
+                            </p:stCondLst>
+                            <p:childTnLst>
+                              <p:par>
+                                <p:cTn id="5" presetID="47" presetClass="entr" presetSubtype="0" fill="hold" nodeType="afterEffect">
+                                  <p:stCondLst>
+                                    <p:cond delay="0"/>
+                                  </p:stCondLst>
+                                  <p:childTnLst>
+                                    <p:set>
+                                      <p:cBhvr>
+                                        <p:cTn id="6" dur="1" fill="hold">
+                                          <p:stCondLst>
+                                            <p:cond delay="0"/>
+                                          </p:stCondLst>
+                                        </p:cTn>
+                                        <p:tgtEl>
+                                          <p:spTgt spid="2"/>
+                                        </p:tgtEl>
+                                        <p:attrNameLst>
+                                          <p:attrName>style.visibility</p:attrName>
+                                        </p:attrNameLst>
+                                      </p:cBhvr>
+                                      <p:to>
+                                        <p:strVal val="visible"/>
+                                      </p:to>
+                                    </p:set>
+                                    <p:animEffect transition="in" filter="fade">
+                                      <p:cBhvr>
+                                        <p:cTn id="7" dur="1000"/>
+                                        <p:tgtEl>
+                                          <p:spTgt spid="2"/>
+                                        </p:tgtEl>
+                                      </p:cBhvr>
+                                    </p:animEffect>
+                                    <p:anim calcmode="lin" valueType="num">
+                                      <p:cBhvr>
+                                        <p:cTn id="8" dur="1000" fill="hold"/>
+                                        <p:tgtEl>
+                                          <p:spTgt spid="2"/>
+                                        </p:tgtEl>
+                                        <p:attrNameLst>
+                                          <p:attrName>ppt_x</p:attrName>
+                                        </p:attrNameLst>
+                                      </p:cBhvr>
+                                      <p:tavLst>
+                                        <p:tav tm="0">
+                                          <p:val>
+                                            <p:strVal val="#ppt_x"/>
+                                          </p:val>
+                                        </p:tav>
+                                        <p:tav tm="100000">
+                                          <p:val>
+                                            <p:strVal val="#ppt_x"/>
+                                          </p:val>
+                                        </p:tav>
+                                      </p:tavLst>
+                                    </p:anim>
+                                    <p:anim calcmode="lin" valueType="num">
+                                      <p:cBhvr>
+                                        <p:cTn id="9" dur="1000" fill="hold"/>
+                                        <p:tgtEl>
+                                          <p:spTgt spid="2"/>
+                                        </p:tgtEl>
+                                        <p:attrNameLst>
+                                          <p:attrName>ppt_y</p:attrName>
+                                        </p:attrNameLst>
+                                      </p:cBhvr>
+                                      <p:tavLst>
+                                        <p:tav tm="0">
+                                          <p:val>
+                                            <p:strVal val="#ppt_y-.1"/>
+                                          </p:val>
+                                        </p:tav>
+                                        <p:tav tm="100000">
+                                          <p:val>
+                                            <p:strVal val="#ppt_y"/>
+                                          </p:val>
+                                        </p:tav>
+                                      </p:tavLst>
+                                    </p:anim>
+                                  </p:childTnLst>
+                                </p:cTn>
+                              </p:par>
+                            </p:childTnLst>
+                          </p:cTn>
+                        </p:par>
+                        <p:par>
+                          <p:cTn id="10" fill="hold">
+                            <p:stCondLst>
+                              <p:cond delay="1000"/>
+                            </p:stCondLst>
+                            <p:childTnLst>
+                              <p:par>
+                                <p:cTn id="11" presetID="22" presetClass="entr" presetSubtype="8" fill="hold" grpId="0" nodeType="afterEffect">
+                                  <p:stCondLst>
+                                    <p:cond delay="0"/>
+                                  </p:stCondLst>
+                                  <p:childTnLst>
+                                    <p:set>
+                                      <p:cBhvr>
+                                        <p:cTn id="12" dur="1" fill="hold">
+                                          <p:stCondLst>
+                                            <p:cond delay="0"/>
+                                          </p:stCondLst>
+                                        </p:cTn>
+                                        <p:tgtEl>
+                                          <p:spTgt spid="3"/>
+                                        </p:tgtEl>
+                                        <p:attrNameLst>
+                                          <p:attrName>style.visibility</p:attrName>
+                                        </p:attrNameLst>
+                                      </p:cBhvr>
+                                      <p:to>
+                                        <p:strVal val="visible"/>
+                                      </p:to>
+                                    </p:set>
+                                    <p:animEffect transition="in" filter="wipe(left)">
+                                      <p:cBhvr>
+                                        <p:cTn id="13" dur="500"/>
+                                        <p:tgtEl>
+                                          <p:spTgt spid="3"/>
+                                        </p:tgtEl>
+                                      </p:cBhvr>
+                                    </p:animEffect>
+                                  </p:childTnLst>
+                                </p:cTn>
+                              </p:par>
+                            </p:childTnLst>
+                          </p:cTn>
+                        </p:par>
+                        <p:par>
+                          <p:cTn id="14" fill="hold">
+                            <p:stCondLst>
+                              <p:cond delay="1500"/>
+                            </p:stCondLst>
+                            <p:childTnLst>
+                              <p:par>
+                                <p:cTn id="15" presetID="53" presetClass="entr" presetSubtype="16" fill="hold" grpId="0" nodeType="afterEffect">
+                                  <p:stCondLst>
+                                    <p:cond delay="0"/>
+                                  </p:stCondLst>
+                                  <p:childTnLst>
+                                    <p:set>
+                                      <p:cBhvr>
+                                        <p:cTn id="16" dur="1" fill="hold">
+                                          <p:stCondLst>
+                                            <p:cond delay="0"/>
+                                          </p:stCondLst>
+                                        </p:cTn>
+                                        <p:tgtEl>
+                                          <p:spTgt spid="4"/>
+                                        </p:tgtEl>
+                                        <p:attrNameLst>
+                                          <p:attrName>style.visibility</p:attrName>
+                                        </p:attrNameLst>
+                                      </p:cBhvr>
+                                      <p:to>
+                                        <p:strVal val="visible"/>
+                                      </p:to>
+                                    </p:set>
+                                    <p:anim calcmode="lin" valueType="num">
+                                      <p:cBhvr>
+                                        <p:cTn id="17" dur="500" fill="hold"/>
+                                        <p:tgtEl>
+                                          <p:spTgt spid="4"/>
+                                        </p:tgtEl>
+                                        <p:attrNameLst>
+                                          <p:attrName>ppt_w</p:attrName>
+                                        </p:attrNameLst>
+                                      </p:cBhvr>
+                                      <p:tavLst>
+                                        <p:tav tm="0">
+                                          <p:val>
+                                            <p:fltVal val="0"/>
+                                          </p:val>
+                                        </p:tav>
+                                        <p:tav tm="100000">
+                                          <p:val>
+                                            <p:strVal val="#ppt_w"/>
+                                          </p:val>
+                                        </p:tav>
+                                      </p:tavLst>
+                                    </p:anim>
+                                    <p:anim calcmode="lin" valueType="num">
+                                      <p:cBhvr>
+                                        <p:cTn id="18" dur="500" fill="hold"/>
+                                        <p:tgtEl>
+                                          <p:spTgt spid="4"/>
+                                        </p:tgtEl>
+                                        <p:attrNameLst>
+                                          <p:attrName>ppt_h</p:attrName>
+                                        </p:attrNameLst>
+                                      </p:cBhvr>
+                                      <p:tavLst>
+                                        <p:tav tm="0">
+                                          <p:val>
+                                            <p:fltVal val="0"/>
+                                          </p:val>
+                                        </p:tav>
+                                        <p:tav tm="100000">
+                                          <p:val>
+                                            <p:strVal val="#ppt_h"/>
+                                          </p:val>
+                                        </p:tav>
+                                      </p:tavLst>
+                                    </p:anim>
+                                    <p:animEffect transition="in" filter="fade">
+                                      <p:cBhvr>
+                                        <p:cTn id="19" dur="500"/>
+                                        <p:tgtEl>
+                                          <p:spTgt spid="4"/>
+                                        </p:tgtEl>
+                                      </p:cBhvr>
+                                    </p:animEffect>
+                                  </p:childTnLst>
+                                </p:cTn>
+                              </p:par>
+                            </p:childTnLst>
+                          </p:cTn>
+                        </p:par>
+                        <p:par>
+                          <p:cTn id="20" fill="hold">
+                            <p:stCondLst>
+                              <p:cond delay="2000"/>
+                            </p:stCondLst>
+                            <p:childTnLst>
+                              <p:par>
+                                <p:cTn id="21" presetID="14" presetClass="entr" presetSubtype="10" fill="hold" grpId="0" nodeType="afterEffect">
+                                  <p:stCondLst>
+                                    <p:cond delay="0"/>
+                                  </p:stCondLst>
+                                  <p:childTnLst>
+                                    <p:set>
+                                      <p:cBhvr>
+                                        <p:cTn id="22" dur="1" fill="hold">
+                                          <p:stCondLst>
+                                            <p:cond delay="0"/>
+                                          </p:stCondLst>
+                                        </p:cTn>
+                                        <p:tgtEl>
+                                          <p:spTgt spid="5"/>
+                                        </p:tgtEl>
+                                        <p:attrNameLst>
+                                          <p:attrName>style.visibility</p:attrName>
+                                        </p:attrNameLst>
+                                      </p:cBhvr>
+                                      <p:to>
+                                        <p:strVal val="visible"/>
+                                      </p:to>
+                                    </p:set>
+                                    <p:animEffect transition="in" filter="randombar(horizontal)">
+                                      <p:cBhvr>
+                                        <p:cTn id="23" dur="500"/>
+                                        <p:tgtEl>
+                                          <p:spTgt spid="5"/>
+                                        </p:tgtEl>
+                                      </p:cBhvr>
+                                    </p:animEffect>
+                                  </p:childTnLst>
+                                </p:cTn>
+                              </p:par>
+                            </p:childTnLst>
+                          </p:cTn>
+                        </p:par>
+                      </p:childTnLst>
+                    </p:cTn>
+                  </p:par>
+                </p:childTnLst>
+              </p:cTn>
+              <p:prevCondLst>
+                <p:cond evt="onPrev" delay="0">
+                  <p:tgtEl>
+                    <p:sldTgt/>
+                  </p:tgtEl>
+                </p:cond>
+              </p:prevCondLst>
+              <p:nextCondLst>
+                <p:cond evt="onNext" delay="0">
+                  <p:tgtEl>
+                    <p:sldTgt/>
+                  </p:tgtEl>
+                </p:cond>
+              </p:nextCondLst>
+            </p:seq>
+          </p:childTnLst>
+        </p:cTn>
+      </p:par>
+    </p:tnLst>
+    <p:bldLst>
+      <p:bldP spid="3" grpId="0" bldLvl="0" animBg="1"/>
+      <p:bldP spid="4" grpId="0"/>
+      <p:bldP spid="5" grpId="0"/>
+    </p:bldLst>
+  </p:timing>
+</p:sld>
+</file>
+
+<file path=ppt/slides/slide3.xml><?xml version="1.0" encoding="utf-8"?>
 <p:sld xmlns:a="http://schemas.openxmlformats.org/drawingml/2006/main" xmlns:r="http://schemas.openxmlformats.org/officeDocument/2006/relationships" xmlns:p="http://schemas.openxmlformats.org/presentationml/2006/main">
   <p:cSld>
     <p:spTree>
@@ -5558,7 +6307,7 @@
 </p:sld>
 </file>
 
-<file path=ppt/slides/slide3.xml><?xml version="1.0" encoding="utf-8"?>
+<file path=ppt/slides/slide4.xml><?xml version="1.0" encoding="utf-8"?>
 <p:sld xmlns:a="http://schemas.openxmlformats.org/drawingml/2006/main" xmlns:r="http://schemas.openxmlformats.org/officeDocument/2006/relationships" xmlns:p="http://schemas.openxmlformats.org/presentationml/2006/main">
   <p:cSld>
     <p:spTree>
@@ -6843,7 +7592,7 @@
 </p:sld>
 </file>
 
-<file path=ppt/slides/slide4.xml><?xml version="1.0" encoding="utf-8"?>
+<file path=ppt/slides/slide5.xml><?xml version="1.0" encoding="utf-8"?>
 <p:sld xmlns:a="http://schemas.openxmlformats.org/drawingml/2006/main" xmlns:r="http://schemas.openxmlformats.org/officeDocument/2006/relationships" xmlns:p="http://schemas.openxmlformats.org/presentationml/2006/main">
   <p:cSld>
     <p:spTree>
@@ -8005,7 +8754,7 @@
 </p:sld>
 </file>
 
-<file path=ppt/slides/slide5.xml><?xml version="1.0" encoding="utf-8"?>
+<file path=ppt/slides/slide6.xml><?xml version="1.0" encoding="utf-8"?>
 <p:sld xmlns:a="http://schemas.openxmlformats.org/drawingml/2006/main" xmlns:r="http://schemas.openxmlformats.org/officeDocument/2006/relationships" xmlns:p="http://schemas.openxmlformats.org/presentationml/2006/main">
   <p:cSld>
     <p:spTree>

--- a/Document library/ppt/zookeeper.pptx
+++ b/Document library/ppt/zookeeper.pptx
@@ -5,36 +5,37 @@
     <p:sldMasterId id="2147483648" r:id="rId1"/>
   </p:sldMasterIdLst>
   <p:notesMasterIdLst>
-    <p:notesMasterId r:id="rId8"/>
+    <p:notesMasterId r:id="rId9"/>
   </p:notesMasterIdLst>
   <p:sldIdLst>
     <p:sldId id="271" r:id="rId2"/>
     <p:sldId id="279" r:id="rId3"/>
-    <p:sldId id="258" r:id="rId4"/>
-    <p:sldId id="262" r:id="rId5"/>
-    <p:sldId id="261" r:id="rId6"/>
-    <p:sldId id="278" r:id="rId7"/>
+    <p:sldId id="280" r:id="rId4"/>
+    <p:sldId id="258" r:id="rId5"/>
+    <p:sldId id="262" r:id="rId6"/>
+    <p:sldId id="261" r:id="rId7"/>
+    <p:sldId id="278" r:id="rId8"/>
   </p:sldIdLst>
   <p:sldSz cx="12192000" cy="6858000"/>
   <p:notesSz cx="6858000" cy="9144000"/>
   <p:embeddedFontLst>
     <p:embeddedFont>
       <p:font typeface="汉仪黑荔枝体简" panose="02010600030101010101" charset="-122"/>
-      <p:regular r:id="rId9"/>
+      <p:regular r:id="rId10"/>
     </p:embeddedFont>
     <p:embeddedFont>
       <p:font typeface="迷你简准圆" panose="02010600030101010101" charset="-122"/>
-      <p:regular r:id="rId10"/>
+      <p:regular r:id="rId11"/>
     </p:embeddedFont>
     <p:embeddedFont>
       <p:font typeface="等线" panose="02010600030101010101" pitchFamily="2" charset="-122"/>
-      <p:regular r:id="rId11"/>
-      <p:bold r:id="rId12"/>
+      <p:regular r:id="rId12"/>
+      <p:bold r:id="rId13"/>
     </p:embeddedFont>
     <p:embeddedFont>
       <p:font typeface="微软雅黑" panose="020B0503020204020204" pitchFamily="34" charset="-122"/>
-      <p:regular r:id="rId13"/>
-      <p:bold r:id="rId14"/>
+      <p:regular r:id="rId14"/>
+      <p:bold r:id="rId15"/>
     </p:embeddedFont>
   </p:embeddedFontLst>
   <p:defaultTextStyle>
@@ -719,6 +720,11 @@
         </p:txBody>
       </p:sp>
     </p:spTree>
+    <p:extLst>
+      <p:ext uri="{BB962C8B-B14F-4D97-AF65-F5344CB8AC3E}">
+        <p14:creationId xmlns:p14="http://schemas.microsoft.com/office/powerpoint/2010/main" val="4292269965"/>
+      </p:ext>
+    </p:extLst>
   </p:cSld>
   <p:clrMapOvr>
     <a:masterClrMapping/>
@@ -950,6 +956,85 @@
             <a:fld id="{034586B1-16A4-4A75-8504-E52F78528046}" type="slidenum">
               <a:rPr lang="zh-CN" altLang="en-US" smtClean="0"/>
               <a:t>6</a:t>
+            </a:fld>
+            <a:endParaRPr lang="zh-CN" altLang="en-US"/>
+          </a:p>
+        </p:txBody>
+      </p:sp>
+    </p:spTree>
+  </p:cSld>
+  <p:clrMapOvr>
+    <a:masterClrMapping/>
+  </p:clrMapOvr>
+</p:notes>
+</file>
+
+<file path=ppt/notesSlides/notesSlide7.xml><?xml version="1.0" encoding="utf-8"?>
+<p:notes xmlns:a="http://schemas.openxmlformats.org/drawingml/2006/main" xmlns:r="http://schemas.openxmlformats.org/officeDocument/2006/relationships" xmlns:p="http://schemas.openxmlformats.org/presentationml/2006/main">
+  <p:cSld>
+    <p:spTree>
+      <p:nvGrpSpPr>
+        <p:cNvPr id="1" name=""/>
+        <p:cNvGrpSpPr/>
+        <p:nvPr/>
+      </p:nvGrpSpPr>
+      <p:grpSpPr>
+        <a:xfrm>
+          <a:off x="0" y="0"/>
+          <a:ext cx="0" cy="0"/>
+          <a:chOff x="0" y="0"/>
+          <a:chExt cx="0" cy="0"/>
+        </a:xfrm>
+      </p:grpSpPr>
+      <p:sp>
+        <p:nvSpPr>
+          <p:cNvPr id="2" name="幻灯片图像占位符 1"/>
+          <p:cNvSpPr>
+            <a:spLocks noGrp="1" noRot="1" noChangeAspect="1"/>
+          </p:cNvSpPr>
+          <p:nvPr>
+            <p:ph type="sldImg"/>
+          </p:nvPr>
+        </p:nvSpPr>
+        <p:spPr/>
+      </p:sp>
+      <p:sp>
+        <p:nvSpPr>
+          <p:cNvPr id="3" name="备注占位符 2"/>
+          <p:cNvSpPr>
+            <a:spLocks noGrp="1"/>
+          </p:cNvSpPr>
+          <p:nvPr>
+            <p:ph type="body" idx="1"/>
+          </p:nvPr>
+        </p:nvSpPr>
+        <p:spPr/>
+        <p:txBody>
+          <a:bodyPr/>
+          <a:lstStyle/>
+          <a:p>
+            <a:endParaRPr lang="zh-CN" altLang="en-US"/>
+          </a:p>
+        </p:txBody>
+      </p:sp>
+      <p:sp>
+        <p:nvSpPr>
+          <p:cNvPr id="4" name="灯片编号占位符 3"/>
+          <p:cNvSpPr>
+            <a:spLocks noGrp="1"/>
+          </p:cNvSpPr>
+          <p:nvPr>
+            <p:ph type="sldNum" sz="quarter" idx="10"/>
+          </p:nvPr>
+        </p:nvSpPr>
+        <p:spPr/>
+        <p:txBody>
+          <a:bodyPr/>
+          <a:lstStyle/>
+          <a:p>
+            <a:fld id="{034586B1-16A4-4A75-8504-E52F78528046}" type="slidenum">
+              <a:rPr lang="zh-CN" altLang="en-US" smtClean="0"/>
+              <a:t>7</a:t>
             </a:fld>
             <a:endParaRPr lang="zh-CN" altLang="en-US"/>
           </a:p>
@@ -4900,6 +4985,705 @@
 </file>
 
 <file path=ppt/slides/slide3.xml><?xml version="1.0" encoding="utf-8"?>
+<p:sld xmlns:a="http://schemas.openxmlformats.org/drawingml/2006/main" xmlns:r="http://schemas.openxmlformats.org/officeDocument/2006/relationships" xmlns:p="http://schemas.openxmlformats.org/presentationml/2006/main">
+  <p:cSld>
+    <p:spTree>
+      <p:nvGrpSpPr>
+        <p:cNvPr id="1" name=""/>
+        <p:cNvGrpSpPr/>
+        <p:nvPr/>
+      </p:nvGrpSpPr>
+      <p:grpSpPr>
+        <a:xfrm>
+          <a:off x="0" y="0"/>
+          <a:ext cx="0" cy="0"/>
+          <a:chOff x="0" y="0"/>
+          <a:chExt cx="0" cy="0"/>
+        </a:xfrm>
+      </p:grpSpPr>
+      <p:pic>
+        <p:nvPicPr>
+          <p:cNvPr id="2" name="图片 1"/>
+          <p:cNvPicPr>
+            <a:picLocks noChangeAspect="1"/>
+          </p:cNvPicPr>
+          <p:nvPr/>
+        </p:nvPicPr>
+        <p:blipFill>
+          <a:blip r:embed="rId3"/>
+          <a:stretch>
+            <a:fillRect/>
+          </a:stretch>
+        </p:blipFill>
+        <p:spPr>
+          <a:xfrm rot="20632978">
+            <a:off x="931538" y="2139078"/>
+            <a:ext cx="719991" cy="2579843"/>
+          </a:xfrm>
+          <a:prstGeom prst="rect">
+            <a:avLst/>
+          </a:prstGeom>
+        </p:spPr>
+      </p:pic>
+      <p:sp>
+        <p:nvSpPr>
+          <p:cNvPr id="3" name="任意多边形 2"/>
+          <p:cNvSpPr/>
+          <p:nvPr/>
+        </p:nvSpPr>
+        <p:spPr>
+          <a:xfrm>
+            <a:off x="2469967" y="4123985"/>
+            <a:ext cx="6828790" cy="170815"/>
+          </a:xfrm>
+          <a:custGeom>
+            <a:avLst/>
+            <a:gdLst>
+              <a:gd name="connsiteX0" fmla="*/ 0 w 5613400"/>
+              <a:gd name="connsiteY0" fmla="*/ 114821 h 140512"/>
+              <a:gd name="connsiteX1" fmla="*/ 660400 w 5613400"/>
+              <a:gd name="connsiteY1" fmla="*/ 521 h 140512"/>
+              <a:gd name="connsiteX2" fmla="*/ 1536700 w 5613400"/>
+              <a:gd name="connsiteY2" fmla="*/ 89421 h 140512"/>
+              <a:gd name="connsiteX3" fmla="*/ 2438400 w 5613400"/>
+              <a:gd name="connsiteY3" fmla="*/ 521 h 140512"/>
+              <a:gd name="connsiteX4" fmla="*/ 3441700 w 5613400"/>
+              <a:gd name="connsiteY4" fmla="*/ 140221 h 140512"/>
+              <a:gd name="connsiteX5" fmla="*/ 4432300 w 5613400"/>
+              <a:gd name="connsiteY5" fmla="*/ 38621 h 140512"/>
+              <a:gd name="connsiteX6" fmla="*/ 4940300 w 5613400"/>
+              <a:gd name="connsiteY6" fmla="*/ 89421 h 140512"/>
+              <a:gd name="connsiteX7" fmla="*/ 5613400 w 5613400"/>
+              <a:gd name="connsiteY7" fmla="*/ 521 h 140512"/>
+            </a:gdLst>
+            <a:ahLst/>
+            <a:cxnLst>
+              <a:cxn ang="0">
+                <a:pos x="connsiteX0" y="connsiteY0"/>
+              </a:cxn>
+              <a:cxn ang="0">
+                <a:pos x="connsiteX1" y="connsiteY1"/>
+              </a:cxn>
+              <a:cxn ang="0">
+                <a:pos x="connsiteX2" y="connsiteY2"/>
+              </a:cxn>
+              <a:cxn ang="0">
+                <a:pos x="connsiteX3" y="connsiteY3"/>
+              </a:cxn>
+              <a:cxn ang="0">
+                <a:pos x="connsiteX4" y="connsiteY4"/>
+              </a:cxn>
+              <a:cxn ang="0">
+                <a:pos x="connsiteX5" y="connsiteY5"/>
+              </a:cxn>
+              <a:cxn ang="0">
+                <a:pos x="connsiteX6" y="connsiteY6"/>
+              </a:cxn>
+              <a:cxn ang="0">
+                <a:pos x="connsiteX7" y="connsiteY7"/>
+              </a:cxn>
+            </a:cxnLst>
+            <a:rect l="l" t="t" r="r" b="b"/>
+            <a:pathLst>
+              <a:path w="5613400" h="140512">
+                <a:moveTo>
+                  <a:pt x="0" y="114821"/>
+                </a:moveTo>
+                <a:cubicBezTo>
+                  <a:pt x="202141" y="59787"/>
+                  <a:pt x="404283" y="4754"/>
+                  <a:pt x="660400" y="521"/>
+                </a:cubicBezTo>
+                <a:cubicBezTo>
+                  <a:pt x="916517" y="-3712"/>
+                  <a:pt x="1240367" y="89421"/>
+                  <a:pt x="1536700" y="89421"/>
+                </a:cubicBezTo>
+                <a:cubicBezTo>
+                  <a:pt x="1833033" y="89421"/>
+                  <a:pt x="2120900" y="-7946"/>
+                  <a:pt x="2438400" y="521"/>
+                </a:cubicBezTo>
+                <a:cubicBezTo>
+                  <a:pt x="2755900" y="8988"/>
+                  <a:pt x="3109383" y="133871"/>
+                  <a:pt x="3441700" y="140221"/>
+                </a:cubicBezTo>
+                <a:cubicBezTo>
+                  <a:pt x="3774017" y="146571"/>
+                  <a:pt x="4182534" y="47088"/>
+                  <a:pt x="4432300" y="38621"/>
+                </a:cubicBezTo>
+                <a:cubicBezTo>
+                  <a:pt x="4682066" y="30154"/>
+                  <a:pt x="4743450" y="95771"/>
+                  <a:pt x="4940300" y="89421"/>
+                </a:cubicBezTo>
+                <a:cubicBezTo>
+                  <a:pt x="5137150" y="83071"/>
+                  <a:pt x="5375275" y="41796"/>
+                  <a:pt x="5613400" y="521"/>
+                </a:cubicBezTo>
+              </a:path>
+            </a:pathLst>
+          </a:custGeom>
+          <a:noFill/>
+          <a:ln w="38100">
+            <a:solidFill>
+              <a:srgbClr val="1B1B1A"/>
+            </a:solidFill>
+            <a:prstDash val="sysDash"/>
+          </a:ln>
+        </p:spPr>
+        <p:style>
+          <a:lnRef idx="2">
+            <a:schemeClr val="accent1">
+              <a:shade val="50000"/>
+            </a:schemeClr>
+          </a:lnRef>
+          <a:fillRef idx="1">
+            <a:schemeClr val="accent1"/>
+          </a:fillRef>
+          <a:effectRef idx="0">
+            <a:schemeClr val="accent1"/>
+          </a:effectRef>
+          <a:fontRef idx="minor">
+            <a:schemeClr val="lt1"/>
+          </a:fontRef>
+        </p:style>
+        <p:txBody>
+          <a:bodyPr rtlCol="0" anchor="ctr"/>
+          <a:lstStyle/>
+          <a:p>
+            <a:pPr algn="ctr"/>
+            <a:endParaRPr lang="zh-CN" altLang="en-US" dirty="0"/>
+          </a:p>
+        </p:txBody>
+      </p:sp>
+      <p:sp>
+        <p:nvSpPr>
+          <p:cNvPr id="4" name="文本框 3"/>
+          <p:cNvSpPr txBox="1"/>
+          <p:nvPr/>
+        </p:nvSpPr>
+        <p:spPr>
+          <a:xfrm>
+            <a:off x="1663902" y="2487788"/>
+            <a:ext cx="9191133" cy="830997"/>
+          </a:xfrm>
+          <a:prstGeom prst="rect">
+            <a:avLst/>
+          </a:prstGeom>
+          <a:noFill/>
+        </p:spPr>
+        <p:txBody>
+          <a:bodyPr wrap="square" rtlCol="0">
+            <a:spAutoFit/>
+          </a:bodyPr>
+          <a:lstStyle/>
+          <a:p>
+            <a:r>
+              <a:rPr lang="en-US" altLang="zh-CN" sz="4800" dirty="0">
+                <a:ln>
+                  <a:solidFill>
+                    <a:srgbClr val="20201E"/>
+                  </a:solidFill>
+                </a:ln>
+                <a:blipFill dpi="0" rotWithShape="1">
+                  <a:blip r:embed="rId4"/>
+                  <a:srcRect/>
+                  <a:stretch>
+                    <a:fillRect/>
+                  </a:stretch>
+                </a:blipFill>
+                <a:latin typeface="汉仪黑荔枝体简" panose="00020600040101010101" pitchFamily="18" charset="-122"/>
+                <a:ea typeface="汉仪黑荔枝体简" panose="00020600040101010101" pitchFamily="18" charset="-122"/>
+              </a:rPr>
+              <a:t>Zookeeper-</a:t>
+            </a:r>
+            <a:r>
+              <a:rPr lang="zh-CN" altLang="en-US" sz="4800" dirty="0">
+                <a:ln>
+                  <a:solidFill>
+                    <a:srgbClr val="20201E"/>
+                  </a:solidFill>
+                </a:ln>
+                <a:blipFill dpi="0" rotWithShape="1">
+                  <a:blip r:embed="rId4"/>
+                  <a:srcRect/>
+                  <a:stretch>
+                    <a:fillRect/>
+                  </a:stretch>
+                </a:blipFill>
+                <a:latin typeface="汉仪黑荔枝体简" panose="00020600040101010101" pitchFamily="18" charset="-122"/>
+                <a:ea typeface="汉仪黑荔枝体简" panose="00020600040101010101" pitchFamily="18" charset="-122"/>
+              </a:rPr>
+              <a:t>基础篇</a:t>
+            </a:r>
+            <a:r>
+              <a:rPr lang="en-US" altLang="zh-CN" sz="4800" dirty="0">
+                <a:ln>
+                  <a:solidFill>
+                    <a:srgbClr val="20201E"/>
+                  </a:solidFill>
+                </a:ln>
+                <a:blipFill dpi="0" rotWithShape="1">
+                  <a:blip r:embed="rId4"/>
+                  <a:srcRect/>
+                  <a:stretch>
+                    <a:fillRect/>
+                  </a:stretch>
+                </a:blipFill>
+                <a:latin typeface="汉仪黑荔枝体简" panose="00020600040101010101" pitchFamily="18" charset="-122"/>
+                <a:ea typeface="汉仪黑荔枝体简" panose="00020600040101010101" pitchFamily="18" charset="-122"/>
+              </a:rPr>
+              <a:t>-</a:t>
+            </a:r>
+            <a:r>
+              <a:rPr lang="zh-CN" altLang="en-US" sz="4800" dirty="0">
+                <a:ln>
+                  <a:solidFill>
+                    <a:srgbClr val="20201E"/>
+                  </a:solidFill>
+                </a:ln>
+                <a:blipFill dpi="0" rotWithShape="1">
+                  <a:blip r:embed="rId4"/>
+                  <a:srcRect/>
+                  <a:stretch>
+                    <a:fillRect/>
+                  </a:stretch>
+                </a:blipFill>
+                <a:latin typeface="汉仪黑荔枝体简" panose="00020600040101010101" pitchFamily="18" charset="-122"/>
+                <a:ea typeface="汉仪黑荔枝体简" panose="00020600040101010101" pitchFamily="18" charset="-122"/>
+              </a:rPr>
+              <a:t>客户端</a:t>
+            </a:r>
+            <a:r>
+              <a:rPr lang="en-US" altLang="zh-CN" sz="4800" dirty="0">
+                <a:ln>
+                  <a:solidFill>
+                    <a:srgbClr val="20201E"/>
+                  </a:solidFill>
+                </a:ln>
+                <a:blipFill dpi="0" rotWithShape="1">
+                  <a:blip r:embed="rId4"/>
+                  <a:srcRect/>
+                  <a:stretch>
+                    <a:fillRect/>
+                  </a:stretch>
+                </a:blipFill>
+                <a:latin typeface="汉仪黑荔枝体简" panose="00020600040101010101" pitchFamily="18" charset="-122"/>
+                <a:ea typeface="汉仪黑荔枝体简" panose="00020600040101010101" pitchFamily="18" charset="-122"/>
+              </a:rPr>
+              <a:t>API</a:t>
+            </a:r>
+            <a:endParaRPr lang="zh-CN" altLang="en-US" sz="4800" dirty="0">
+              <a:ln>
+                <a:solidFill>
+                  <a:srgbClr val="20201E"/>
+                </a:solidFill>
+              </a:ln>
+              <a:blipFill dpi="0" rotWithShape="1">
+                <a:blip r:embed="rId4"/>
+                <a:srcRect/>
+                <a:stretch>
+                  <a:fillRect/>
+                </a:stretch>
+              </a:blipFill>
+              <a:latin typeface="汉仪黑荔枝体简" panose="00020600040101010101" pitchFamily="18" charset="-122"/>
+              <a:ea typeface="汉仪黑荔枝体简" panose="00020600040101010101" pitchFamily="18" charset="-122"/>
+            </a:endParaRPr>
+          </a:p>
+        </p:txBody>
+      </p:sp>
+      <p:sp>
+        <p:nvSpPr>
+          <p:cNvPr id="5" name="文本框 4"/>
+          <p:cNvSpPr txBox="1"/>
+          <p:nvPr/>
+        </p:nvSpPr>
+        <p:spPr>
+          <a:xfrm>
+            <a:off x="2639648" y="3411631"/>
+            <a:ext cx="7239642" cy="270715"/>
+          </a:xfrm>
+          <a:prstGeom prst="rect">
+            <a:avLst/>
+          </a:prstGeom>
+          <a:noFill/>
+        </p:spPr>
+        <p:txBody>
+          <a:bodyPr wrap="square" rtlCol="0">
+            <a:spAutoFit/>
+            <a:scene3d>
+              <a:camera prst="orthographicFront"/>
+              <a:lightRig rig="threePt" dir="t"/>
+            </a:scene3d>
+            <a:sp3d contourW="12700"/>
+          </a:bodyPr>
+          <a:lstStyle/>
+          <a:p>
+            <a:pPr>
+              <a:lnSpc>
+                <a:spcPct val="114000"/>
+              </a:lnSpc>
+            </a:pPr>
+            <a:r>
+              <a:rPr lang="en-US" altLang="zh-CN" sz="1100" dirty="0">
+                <a:solidFill>
+                  <a:schemeClr val="bg1">
+                    <a:lumMod val="50000"/>
+                  </a:schemeClr>
+                </a:solidFill>
+                <a:latin typeface="+mj-ea"/>
+                <a:ea typeface="+mj-ea"/>
+              </a:rPr>
+              <a:t>He can help better manage calls between services. Let you write business code with confidence.</a:t>
+            </a:r>
+          </a:p>
+        </p:txBody>
+      </p:sp>
+    </p:spTree>
+    <p:extLst>
+      <p:ext uri="{BB962C8B-B14F-4D97-AF65-F5344CB8AC3E}">
+        <p14:creationId xmlns:p14="http://schemas.microsoft.com/office/powerpoint/2010/main" val="1572359578"/>
+      </p:ext>
+    </p:extLst>
+  </p:cSld>
+  <p:clrMapOvr>
+    <a:masterClrMapping/>
+  </p:clrMapOvr>
+  <mc:AlternateContent xmlns:mc="http://schemas.openxmlformats.org/markup-compatibility/2006" xmlns:p14="http://schemas.microsoft.com/office/powerpoint/2010/main">
+    <mc:Choice Requires="p14">
+      <p:transition spd="slow" p14:dur="1500" advTm="0">
+        <p:random/>
+      </p:transition>
+    </mc:Choice>
+    <mc:Fallback xmlns="">
+      <p:transition spd="slow" advTm="0">
+        <p:random/>
+      </p:transition>
+    </mc:Fallback>
+  </mc:AlternateContent>
+  <p:timing>
+    <p:tnLst>
+      <p:par>
+        <p:cTn id="1" dur="indefinite" restart="never" nodeType="tmRoot">
+          <p:childTnLst>
+            <p:seq concurrent="1" nextAc="seek">
+              <p:cTn id="2" dur="indefinite" nodeType="mainSeq">
+                <p:childTnLst>
+                  <p:par>
+                    <p:cTn id="3" fill="hold">
+                      <p:stCondLst>
+                        <p:cond delay="indefinite"/>
+                        <p:cond evt="onBegin" delay="0">
+                          <p:tn val="2"/>
+                        </p:cond>
+                      </p:stCondLst>
+                      <p:childTnLst>
+                        <p:par>
+                          <p:cTn id="4" fill="hold">
+                            <p:stCondLst>
+                              <p:cond delay="0"/>
+                            </p:stCondLst>
+                            <p:childTnLst>
+                              <p:par>
+                                <p:cTn id="5" presetID="47" presetClass="entr" presetSubtype="0" fill="hold" nodeType="afterEffect">
+                                  <p:stCondLst>
+                                    <p:cond delay="0"/>
+                                  </p:stCondLst>
+                                  <p:childTnLst>
+                                    <p:set>
+                                      <p:cBhvr>
+                                        <p:cTn id="6" dur="1" fill="hold">
+                                          <p:stCondLst>
+                                            <p:cond delay="0"/>
+                                          </p:stCondLst>
+                                        </p:cTn>
+                                        <p:tgtEl>
+                                          <p:spTgt spid="2"/>
+                                        </p:tgtEl>
+                                        <p:attrNameLst>
+                                          <p:attrName>style.visibility</p:attrName>
+                                        </p:attrNameLst>
+                                      </p:cBhvr>
+                                      <p:to>
+                                        <p:strVal val="visible"/>
+                                      </p:to>
+                                    </p:set>
+                                    <p:animEffect transition="in" filter="fade">
+                                      <p:cBhvr>
+                                        <p:cTn id="7" dur="1000"/>
+                                        <p:tgtEl>
+                                          <p:spTgt spid="2"/>
+                                        </p:tgtEl>
+                                      </p:cBhvr>
+                                    </p:animEffect>
+                                    <p:anim calcmode="lin" valueType="num">
+                                      <p:cBhvr>
+                                        <p:cTn id="8" dur="1000" fill="hold"/>
+                                        <p:tgtEl>
+                                          <p:spTgt spid="2"/>
+                                        </p:tgtEl>
+                                        <p:attrNameLst>
+                                          <p:attrName>ppt_x</p:attrName>
+                                        </p:attrNameLst>
+                                      </p:cBhvr>
+                                      <p:tavLst>
+                                        <p:tav tm="0">
+                                          <p:val>
+                                            <p:strVal val="#ppt_x"/>
+                                          </p:val>
+                                        </p:tav>
+                                        <p:tav tm="100000">
+                                          <p:val>
+                                            <p:strVal val="#ppt_x"/>
+                                          </p:val>
+                                        </p:tav>
+                                      </p:tavLst>
+                                    </p:anim>
+                                    <p:anim calcmode="lin" valueType="num">
+                                      <p:cBhvr>
+                                        <p:cTn id="9" dur="1000" fill="hold"/>
+                                        <p:tgtEl>
+                                          <p:spTgt spid="2"/>
+                                        </p:tgtEl>
+                                        <p:attrNameLst>
+                                          <p:attrName>ppt_y</p:attrName>
+                                        </p:attrNameLst>
+                                      </p:cBhvr>
+                                      <p:tavLst>
+                                        <p:tav tm="0">
+                                          <p:val>
+                                            <p:strVal val="#ppt_y-.1"/>
+                                          </p:val>
+                                        </p:tav>
+                                        <p:tav tm="100000">
+                                          <p:val>
+                                            <p:strVal val="#ppt_y"/>
+                                          </p:val>
+                                        </p:tav>
+                                      </p:tavLst>
+                                    </p:anim>
+                                  </p:childTnLst>
+                                </p:cTn>
+                              </p:par>
+                            </p:childTnLst>
+                          </p:cTn>
+                        </p:par>
+                        <p:par>
+                          <p:cTn id="10" fill="hold">
+                            <p:stCondLst>
+                              <p:cond delay="1000"/>
+                            </p:stCondLst>
+                            <p:childTnLst>
+                              <p:par>
+                                <p:cTn id="11" presetID="22" presetClass="entr" presetSubtype="8" fill="hold" grpId="0" nodeType="afterEffect">
+                                  <p:stCondLst>
+                                    <p:cond delay="0"/>
+                                  </p:stCondLst>
+                                  <p:childTnLst>
+                                    <p:set>
+                                      <p:cBhvr>
+                                        <p:cTn id="12" dur="1" fill="hold">
+                                          <p:stCondLst>
+                                            <p:cond delay="0"/>
+                                          </p:stCondLst>
+                                        </p:cTn>
+                                        <p:tgtEl>
+                                          <p:spTgt spid="3"/>
+                                        </p:tgtEl>
+                                        <p:attrNameLst>
+                                          <p:attrName>style.visibility</p:attrName>
+                                        </p:attrNameLst>
+                                      </p:cBhvr>
+                                      <p:to>
+                                        <p:strVal val="visible"/>
+                                      </p:to>
+                                    </p:set>
+                                    <p:animEffect transition="in" filter="wipe(left)">
+                                      <p:cBhvr>
+                                        <p:cTn id="13" dur="500"/>
+                                        <p:tgtEl>
+                                          <p:spTgt spid="3"/>
+                                        </p:tgtEl>
+                                      </p:cBhvr>
+                                    </p:animEffect>
+                                  </p:childTnLst>
+                                </p:cTn>
+                              </p:par>
+                            </p:childTnLst>
+                          </p:cTn>
+                        </p:par>
+                        <p:par>
+                          <p:cTn id="14" fill="hold">
+                            <p:stCondLst>
+                              <p:cond delay="1500"/>
+                            </p:stCondLst>
+                            <p:childTnLst>
+                              <p:par>
+                                <p:cTn id="15" presetID="53" presetClass="entr" presetSubtype="16" fill="hold" grpId="0" nodeType="afterEffect">
+                                  <p:stCondLst>
+                                    <p:cond delay="0"/>
+                                  </p:stCondLst>
+                                  <p:childTnLst>
+                                    <p:set>
+                                      <p:cBhvr>
+                                        <p:cTn id="16" dur="1" fill="hold">
+                                          <p:stCondLst>
+                                            <p:cond delay="0"/>
+                                          </p:stCondLst>
+                                        </p:cTn>
+                                        <p:tgtEl>
+                                          <p:spTgt spid="4"/>
+                                        </p:tgtEl>
+                                        <p:attrNameLst>
+                                          <p:attrName>style.visibility</p:attrName>
+                                        </p:attrNameLst>
+                                      </p:cBhvr>
+                                      <p:to>
+                                        <p:strVal val="visible"/>
+                                      </p:to>
+                                    </p:set>
+                                    <p:anim calcmode="lin" valueType="num">
+                                      <p:cBhvr>
+                                        <p:cTn id="17" dur="500" fill="hold"/>
+                                        <p:tgtEl>
+                                          <p:spTgt spid="4"/>
+                                        </p:tgtEl>
+                                        <p:attrNameLst>
+                                          <p:attrName>ppt_w</p:attrName>
+                                        </p:attrNameLst>
+                                      </p:cBhvr>
+                                      <p:tavLst>
+                                        <p:tav tm="0">
+                                          <p:val>
+                                            <p:fltVal val="0"/>
+                                          </p:val>
+                                        </p:tav>
+                                        <p:tav tm="100000">
+                                          <p:val>
+                                            <p:strVal val="#ppt_w"/>
+                                          </p:val>
+                                        </p:tav>
+                                      </p:tavLst>
+                                    </p:anim>
+                                    <p:anim calcmode="lin" valueType="num">
+                                      <p:cBhvr>
+                                        <p:cTn id="18" dur="500" fill="hold"/>
+                                        <p:tgtEl>
+                                          <p:spTgt spid="4"/>
+                                        </p:tgtEl>
+                                        <p:attrNameLst>
+                                          <p:attrName>ppt_h</p:attrName>
+                                        </p:attrNameLst>
+                                      </p:cBhvr>
+                                      <p:tavLst>
+                                        <p:tav tm="0">
+                                          <p:val>
+                                            <p:fltVal val="0"/>
+                                          </p:val>
+                                        </p:tav>
+                                        <p:tav tm="100000">
+                                          <p:val>
+                                            <p:strVal val="#ppt_h"/>
+                                          </p:val>
+                                        </p:tav>
+                                      </p:tavLst>
+                                    </p:anim>
+                                    <p:animEffect transition="in" filter="fade">
+                                      <p:cBhvr>
+                                        <p:cTn id="19" dur="500"/>
+                                        <p:tgtEl>
+                                          <p:spTgt spid="4"/>
+                                        </p:tgtEl>
+                                      </p:cBhvr>
+                                    </p:animEffect>
+                                  </p:childTnLst>
+                                </p:cTn>
+                              </p:par>
+                            </p:childTnLst>
+                          </p:cTn>
+                        </p:par>
+                        <p:par>
+                          <p:cTn id="20" fill="hold">
+                            <p:stCondLst>
+                              <p:cond delay="2000"/>
+                            </p:stCondLst>
+                            <p:childTnLst>
+                              <p:par>
+                                <p:cTn id="21" presetID="14" presetClass="entr" presetSubtype="10" fill="hold" grpId="0" nodeType="afterEffect">
+                                  <p:stCondLst>
+                                    <p:cond delay="0"/>
+                                  </p:stCondLst>
+                                  <p:childTnLst>
+                                    <p:set>
+                                      <p:cBhvr>
+                                        <p:cTn id="22" dur="1" fill="hold">
+                                          <p:stCondLst>
+                                            <p:cond delay="0"/>
+                                          </p:stCondLst>
+                                        </p:cTn>
+                                        <p:tgtEl>
+                                          <p:spTgt spid="5"/>
+                                        </p:tgtEl>
+                                        <p:attrNameLst>
+                                          <p:attrName>style.visibility</p:attrName>
+                                        </p:attrNameLst>
+                                      </p:cBhvr>
+                                      <p:to>
+                                        <p:strVal val="visible"/>
+                                      </p:to>
+                                    </p:set>
+                                    <p:animEffect transition="in" filter="randombar(horizontal)">
+                                      <p:cBhvr>
+                                        <p:cTn id="23" dur="500"/>
+                                        <p:tgtEl>
+                                          <p:spTgt spid="5"/>
+                                        </p:tgtEl>
+                                      </p:cBhvr>
+                                    </p:animEffect>
+                                  </p:childTnLst>
+                                </p:cTn>
+                              </p:par>
+                            </p:childTnLst>
+                          </p:cTn>
+                        </p:par>
+                      </p:childTnLst>
+                    </p:cTn>
+                  </p:par>
+                </p:childTnLst>
+              </p:cTn>
+              <p:prevCondLst>
+                <p:cond evt="onPrev" delay="0">
+                  <p:tgtEl>
+                    <p:sldTgt/>
+                  </p:tgtEl>
+                </p:cond>
+              </p:prevCondLst>
+              <p:nextCondLst>
+                <p:cond evt="onNext" delay="0">
+                  <p:tgtEl>
+                    <p:sldTgt/>
+                  </p:tgtEl>
+                </p:cond>
+              </p:nextCondLst>
+            </p:seq>
+          </p:childTnLst>
+        </p:cTn>
+      </p:par>
+    </p:tnLst>
+    <p:bldLst>
+      <p:bldP spid="3" grpId="0" bldLvl="0" animBg="1"/>
+      <p:bldP spid="4" grpId="0"/>
+      <p:bldP spid="5" grpId="0"/>
+    </p:bldLst>
+  </p:timing>
+</p:sld>
+</file>
+
+<file path=ppt/slides/slide4.xml><?xml version="1.0" encoding="utf-8"?>
 <p:sld xmlns:a="http://schemas.openxmlformats.org/drawingml/2006/main" xmlns:r="http://schemas.openxmlformats.org/officeDocument/2006/relationships" xmlns:p="http://schemas.openxmlformats.org/presentationml/2006/main">
   <p:cSld>
     <p:spTree>
@@ -6307,7 +7091,7 @@
 </p:sld>
 </file>
 
-<file path=ppt/slides/slide4.xml><?xml version="1.0" encoding="utf-8"?>
+<file path=ppt/slides/slide5.xml><?xml version="1.0" encoding="utf-8"?>
 <p:sld xmlns:a="http://schemas.openxmlformats.org/drawingml/2006/main" xmlns:r="http://schemas.openxmlformats.org/officeDocument/2006/relationships" xmlns:p="http://schemas.openxmlformats.org/presentationml/2006/main">
   <p:cSld>
     <p:spTree>
@@ -7592,7 +8376,7 @@
 </p:sld>
 </file>
 
-<file path=ppt/slides/slide5.xml><?xml version="1.0" encoding="utf-8"?>
+<file path=ppt/slides/slide6.xml><?xml version="1.0" encoding="utf-8"?>
 <p:sld xmlns:a="http://schemas.openxmlformats.org/drawingml/2006/main" xmlns:r="http://schemas.openxmlformats.org/officeDocument/2006/relationships" xmlns:p="http://schemas.openxmlformats.org/presentationml/2006/main">
   <p:cSld>
     <p:spTree>
@@ -8754,7 +9538,7 @@
 </p:sld>
 </file>
 
-<file path=ppt/slides/slide6.xml><?xml version="1.0" encoding="utf-8"?>
+<file path=ppt/slides/slide7.xml><?xml version="1.0" encoding="utf-8"?>
 <p:sld xmlns:a="http://schemas.openxmlformats.org/drawingml/2006/main" xmlns:r="http://schemas.openxmlformats.org/officeDocument/2006/relationships" xmlns:p="http://schemas.openxmlformats.org/presentationml/2006/main">
   <p:cSld>
     <p:spTree>

--- a/Document library/ppt/zookeeper.pptx
+++ b/Document library/ppt/zookeeper.pptx
@@ -223,7 +223,7 @@
           <a:p>
             <a:fld id="{DDBC2F4E-C554-4C3F-AF57-4E4814812BB1}" type="datetimeFigureOut">
               <a:rPr lang="zh-CN" altLang="en-US" smtClean="0"/>
-              <a:t>2021/2/1</a:t>
+              <a:t>2021/2/4</a:t>
             </a:fld>
             <a:endParaRPr lang="zh-CN" altLang="en-US"/>
           </a:p>
@@ -5740,55 +5740,7 @@
         </p:blipFill>
         <p:spPr>
           <a:xfrm>
-            <a:off x="5816600" y="2004143"/>
-            <a:ext cx="710907" cy="506960"/>
-          </a:xfrm>
-          <a:prstGeom prst="rect">
-            <a:avLst/>
-          </a:prstGeom>
-        </p:spPr>
-      </p:pic>
-      <p:pic>
-        <p:nvPicPr>
-          <p:cNvPr id="4" name="图片 3"/>
-          <p:cNvPicPr>
-            <a:picLocks noChangeAspect="1"/>
-          </p:cNvPicPr>
-          <p:nvPr/>
-        </p:nvPicPr>
-        <p:blipFill>
-          <a:blip r:embed="rId4"/>
-          <a:stretch>
-            <a:fillRect/>
-          </a:stretch>
-        </p:blipFill>
-        <p:spPr>
-          <a:xfrm>
-            <a:off x="5816600" y="3477145"/>
-            <a:ext cx="710907" cy="506960"/>
-          </a:xfrm>
-          <a:prstGeom prst="rect">
-            <a:avLst/>
-          </a:prstGeom>
-        </p:spPr>
-      </p:pic>
-      <p:pic>
-        <p:nvPicPr>
-          <p:cNvPr id="5" name="图片 4"/>
-          <p:cNvPicPr>
-            <a:picLocks noChangeAspect="1"/>
-          </p:cNvPicPr>
-          <p:nvPr/>
-        </p:nvPicPr>
-        <p:blipFill>
-          <a:blip r:embed="rId4"/>
-          <a:stretch>
-            <a:fillRect/>
-          </a:stretch>
-        </p:blipFill>
-        <p:spPr>
-          <a:xfrm>
-            <a:off x="5816599" y="4950147"/>
+            <a:off x="5552649" y="1796753"/>
             <a:ext cx="710907" cy="506960"/>
           </a:xfrm>
           <a:prstGeom prst="rect">
@@ -5804,10 +5756,10 @@
         </p:nvGrpSpPr>
         <p:grpSpPr>
           <a:xfrm>
-            <a:off x="6745109" y="1717034"/>
-            <a:ext cx="4075291" cy="1165673"/>
+            <a:off x="6527507" y="1717034"/>
+            <a:ext cx="4292893" cy="4259560"/>
             <a:chOff x="874712" y="3195403"/>
-            <a:chExt cx="4075291" cy="1165673"/>
+            <a:chExt cx="4075291" cy="2327401"/>
           </a:xfrm>
         </p:grpSpPr>
         <p:sp>
@@ -5819,7 +5771,7 @@
           <p:spPr>
             <a:xfrm>
               <a:off x="874712" y="3677812"/>
-              <a:ext cx="4075291" cy="683264"/>
+              <a:ext cx="4075291" cy="1844992"/>
             </a:xfrm>
             <a:prstGeom prst="rect">
               <a:avLst/>
@@ -5842,6 +5794,19 @@
                 </a:lnSpc>
               </a:pPr>
               <a:r>
+                <a:rPr lang="en-US" altLang="zh-CN" sz="1600" dirty="0">
+                  <a:solidFill>
+                    <a:schemeClr val="tx1">
+                      <a:lumMod val="50000"/>
+                      <a:lumOff val="50000"/>
+                    </a:schemeClr>
+                  </a:solidFill>
+                  <a:latin typeface="迷你简准圆" panose="03000509000000000000" pitchFamily="65" charset="-122"/>
+                  <a:ea typeface="迷你简准圆" panose="03000509000000000000" pitchFamily="65" charset="-122"/>
+                </a:rPr>
+                <a:t>ACL</a:t>
+              </a:r>
+              <a:r>
                 <a:rPr lang="zh-CN" altLang="en-US" sz="1600" dirty="0">
                   <a:solidFill>
                     <a:schemeClr val="tx1">
@@ -5852,8 +5817,184 @@
                   <a:latin typeface="迷你简准圆" panose="03000509000000000000" pitchFamily="65" charset="-122"/>
                   <a:ea typeface="迷你简准圆" panose="03000509000000000000" pitchFamily="65" charset="-122"/>
                 </a:rPr>
-                <a:t>用户可以在投影仪或者计算机上进行演示也可以将演示文稿打印出来制作成胶片</a:t>
+                <a:t>是什么？</a:t>
               </a:r>
+              <a:endParaRPr lang="en-US" altLang="zh-CN" sz="1600" dirty="0">
+                <a:solidFill>
+                  <a:schemeClr val="tx1">
+                    <a:lumMod val="50000"/>
+                    <a:lumOff val="50000"/>
+                  </a:schemeClr>
+                </a:solidFill>
+                <a:latin typeface="迷你简准圆" panose="03000509000000000000" pitchFamily="65" charset="-122"/>
+                <a:ea typeface="迷你简准圆" panose="03000509000000000000" pitchFamily="65" charset="-122"/>
+              </a:endParaRPr>
+            </a:p>
+            <a:p>
+              <a:pPr algn="just">
+                <a:lnSpc>
+                  <a:spcPct val="120000"/>
+                </a:lnSpc>
+              </a:pPr>
+              <a:r>
+                <a:rPr lang="en-US" altLang="zh-CN" sz="1600" dirty="0">
+                  <a:solidFill>
+                    <a:schemeClr val="tx1">
+                      <a:lumMod val="50000"/>
+                      <a:lumOff val="50000"/>
+                    </a:schemeClr>
+                  </a:solidFill>
+                  <a:latin typeface="迷你简准圆" panose="03000509000000000000" pitchFamily="65" charset="-122"/>
+                  <a:ea typeface="迷你简准圆" panose="03000509000000000000" pitchFamily="65" charset="-122"/>
+                </a:rPr>
+                <a:t>ACL</a:t>
+              </a:r>
+              <a:r>
+                <a:rPr lang="zh-CN" altLang="en-US" sz="1600" dirty="0">
+                  <a:solidFill>
+                    <a:schemeClr val="tx1">
+                      <a:lumMod val="50000"/>
+                      <a:lumOff val="50000"/>
+                    </a:schemeClr>
+                  </a:solidFill>
+                  <a:latin typeface="迷你简准圆" panose="03000509000000000000" pitchFamily="65" charset="-122"/>
+                  <a:ea typeface="迷你简准圆" panose="03000509000000000000" pitchFamily="65" charset="-122"/>
+                </a:rPr>
+                <a:t>控制权限的范围？</a:t>
+              </a:r>
+              <a:endParaRPr lang="en-US" altLang="zh-CN" sz="1600" dirty="0">
+                <a:solidFill>
+                  <a:schemeClr val="tx1">
+                    <a:lumMod val="50000"/>
+                    <a:lumOff val="50000"/>
+                  </a:schemeClr>
+                </a:solidFill>
+                <a:latin typeface="迷你简准圆" panose="03000509000000000000" pitchFamily="65" charset="-122"/>
+                <a:ea typeface="迷你简准圆" panose="03000509000000000000" pitchFamily="65" charset="-122"/>
+              </a:endParaRPr>
+            </a:p>
+            <a:p>
+              <a:pPr algn="just">
+                <a:lnSpc>
+                  <a:spcPct val="120000"/>
+                </a:lnSpc>
+              </a:pPr>
+              <a:r>
+                <a:rPr lang="en-US" altLang="zh-CN" sz="1600" dirty="0">
+                  <a:solidFill>
+                    <a:schemeClr val="tx1">
+                      <a:lumMod val="50000"/>
+                      <a:lumOff val="50000"/>
+                    </a:schemeClr>
+                  </a:solidFill>
+                  <a:latin typeface="迷你简准圆" panose="03000509000000000000" pitchFamily="65" charset="-122"/>
+                  <a:ea typeface="迷你简准圆" panose="03000509000000000000" pitchFamily="65" charset="-122"/>
+                </a:rPr>
+                <a:t>ACL</a:t>
+              </a:r>
+              <a:r>
+                <a:rPr lang="zh-CN" altLang="en-US" sz="1600" dirty="0">
+                  <a:solidFill>
+                    <a:schemeClr val="tx1">
+                      <a:lumMod val="50000"/>
+                      <a:lumOff val="50000"/>
+                    </a:schemeClr>
+                  </a:solidFill>
+                  <a:latin typeface="迷你简准圆" panose="03000509000000000000" pitchFamily="65" charset="-122"/>
+                  <a:ea typeface="迷你简准圆" panose="03000509000000000000" pitchFamily="65" charset="-122"/>
+                </a:rPr>
+                <a:t>怎么组成的？</a:t>
+              </a:r>
+              <a:endParaRPr lang="en-US" altLang="zh-CN" sz="1600" dirty="0">
+                <a:solidFill>
+                  <a:schemeClr val="tx1">
+                    <a:lumMod val="50000"/>
+                    <a:lumOff val="50000"/>
+                  </a:schemeClr>
+                </a:solidFill>
+                <a:latin typeface="迷你简准圆" panose="03000509000000000000" pitchFamily="65" charset="-122"/>
+                <a:ea typeface="迷你简准圆" panose="03000509000000000000" pitchFamily="65" charset="-122"/>
+              </a:endParaRPr>
+            </a:p>
+            <a:p>
+              <a:pPr algn="just">
+                <a:lnSpc>
+                  <a:spcPct val="120000"/>
+                </a:lnSpc>
+              </a:pPr>
+              <a:r>
+                <a:rPr lang="en-US" altLang="zh-CN" sz="1600" dirty="0">
+                  <a:solidFill>
+                    <a:schemeClr val="tx1">
+                      <a:lumMod val="50000"/>
+                      <a:lumOff val="50000"/>
+                    </a:schemeClr>
+                  </a:solidFill>
+                  <a:latin typeface="迷你简准圆" panose="03000509000000000000" pitchFamily="65" charset="-122"/>
+                  <a:ea typeface="迷你简准圆" panose="03000509000000000000" pitchFamily="65" charset="-122"/>
+                </a:rPr>
+                <a:t>ACL</a:t>
+              </a:r>
+              <a:r>
+                <a:rPr lang="zh-CN" altLang="en-US" sz="1600" dirty="0">
+                  <a:solidFill>
+                    <a:schemeClr val="tx1">
+                      <a:lumMod val="50000"/>
+                      <a:lumOff val="50000"/>
+                    </a:schemeClr>
+                  </a:solidFill>
+                  <a:latin typeface="迷你简准圆" panose="03000509000000000000" pitchFamily="65" charset="-122"/>
+                  <a:ea typeface="迷你简准圆" panose="03000509000000000000" pitchFamily="65" charset="-122"/>
+                </a:rPr>
+                <a:t>权限模式？</a:t>
+              </a:r>
+              <a:endParaRPr lang="en-US" altLang="zh-CN" sz="1600" dirty="0">
+                <a:solidFill>
+                  <a:schemeClr val="tx1">
+                    <a:lumMod val="50000"/>
+                    <a:lumOff val="50000"/>
+                  </a:schemeClr>
+                </a:solidFill>
+                <a:latin typeface="迷你简准圆" panose="03000509000000000000" pitchFamily="65" charset="-122"/>
+                <a:ea typeface="迷你简准圆" panose="03000509000000000000" pitchFamily="65" charset="-122"/>
+              </a:endParaRPr>
+            </a:p>
+            <a:p>
+              <a:pPr algn="just">
+                <a:lnSpc>
+                  <a:spcPct val="120000"/>
+                </a:lnSpc>
+              </a:pPr>
+              <a:r>
+                <a:rPr lang="zh-CN" altLang="en-US" sz="1600" dirty="0">
+                  <a:solidFill>
+                    <a:schemeClr val="tx1">
+                      <a:lumMod val="50000"/>
+                      <a:lumOff val="50000"/>
+                    </a:schemeClr>
+                  </a:solidFill>
+                  <a:latin typeface="迷你简准圆" panose="03000509000000000000" pitchFamily="65" charset="-122"/>
+                  <a:ea typeface="迷你简准圆" panose="03000509000000000000" pitchFamily="65" charset="-122"/>
+                </a:rPr>
+                <a:t>让我们操练起来吧！！！</a:t>
+              </a:r>
+            </a:p>
+            <a:p>
+              <a:pPr algn="just">
+                <a:lnSpc>
+                  <a:spcPct val="120000"/>
+                </a:lnSpc>
+              </a:pPr>
+              <a:endParaRPr lang="zh-CN" altLang="en-US" sz="1600" dirty="0">
+                <a:solidFill>
+                  <a:schemeClr val="tx1">
+                    <a:lumMod val="50000"/>
+                    <a:lumOff val="50000"/>
+                  </a:schemeClr>
+                </a:solidFill>
+                <a:latin typeface="迷你简准圆" panose="03000509000000000000" pitchFamily="65" charset="-122"/>
+                <a:ea typeface="迷你简准圆" panose="03000509000000000000" pitchFamily="65" charset="-122"/>
+              </a:endParaRPr>
             </a:p>
           </p:txBody>
         </p:sp>
@@ -5899,225 +6040,7 @@
                   <a:latin typeface="迷你简准圆" panose="03000509000000000000" pitchFamily="65" charset="-122"/>
                   <a:ea typeface="迷你简准圆" panose="03000509000000000000" pitchFamily="65" charset="-122"/>
                 </a:rPr>
-                <a:t>标题文字添加</a:t>
-              </a:r>
-            </a:p>
-          </p:txBody>
-        </p:sp>
-      </p:grpSp>
-      <p:grpSp>
-        <p:nvGrpSpPr>
-          <p:cNvPr id="9" name="组合 8"/>
-          <p:cNvGrpSpPr/>
-          <p:nvPr/>
-        </p:nvGrpSpPr>
-        <p:grpSpPr>
-          <a:xfrm>
-            <a:off x="6745109" y="3147788"/>
-            <a:ext cx="4075291" cy="1165673"/>
-            <a:chOff x="874712" y="3195403"/>
-            <a:chExt cx="4075291" cy="1165673"/>
-          </a:xfrm>
-        </p:grpSpPr>
-        <p:sp>
-          <p:nvSpPr>
-            <p:cNvPr id="10" name="矩形 9"/>
-            <p:cNvSpPr/>
-            <p:nvPr/>
-          </p:nvSpPr>
-          <p:spPr>
-            <a:xfrm>
-              <a:off x="874712" y="3677812"/>
-              <a:ext cx="4075291" cy="683264"/>
-            </a:xfrm>
-            <a:prstGeom prst="rect">
-              <a:avLst/>
-            </a:prstGeom>
-          </p:spPr>
-          <p:txBody>
-            <a:bodyPr wrap="square">
-              <a:spAutoFit/>
-              <a:scene3d>
-                <a:camera prst="orthographicFront"/>
-                <a:lightRig rig="threePt" dir="t"/>
-              </a:scene3d>
-              <a:sp3d contourW="12700"/>
-            </a:bodyPr>
-            <a:lstStyle/>
-            <a:p>
-              <a:pPr algn="just">
-                <a:lnSpc>
-                  <a:spcPct val="120000"/>
-                </a:lnSpc>
-              </a:pPr>
-              <a:r>
-                <a:rPr lang="zh-CN" altLang="en-US" sz="1600" dirty="0">
-                  <a:solidFill>
-                    <a:schemeClr val="tx1">
-                      <a:lumMod val="50000"/>
-                      <a:lumOff val="50000"/>
-                    </a:schemeClr>
-                  </a:solidFill>
-                  <a:latin typeface="迷你简准圆" panose="03000509000000000000" pitchFamily="65" charset="-122"/>
-                  <a:ea typeface="迷你简准圆" panose="03000509000000000000" pitchFamily="65" charset="-122"/>
-                </a:rPr>
-                <a:t>用户可以在投影仪或者计算机上进行演示也可以将演示文稿打印出来制作成胶片</a:t>
-              </a:r>
-            </a:p>
-          </p:txBody>
-        </p:sp>
-        <p:sp>
-          <p:nvSpPr>
-            <p:cNvPr id="11" name="矩形 10"/>
-            <p:cNvSpPr/>
-            <p:nvPr/>
-          </p:nvSpPr>
-          <p:spPr>
-            <a:xfrm>
-              <a:off x="874713" y="3195403"/>
-              <a:ext cx="2241974" cy="505203"/>
-            </a:xfrm>
-            <a:prstGeom prst="rect">
-              <a:avLst/>
-            </a:prstGeom>
-          </p:spPr>
-          <p:txBody>
-            <a:bodyPr wrap="square">
-              <a:spAutoFit/>
-              <a:scene3d>
-                <a:camera prst="orthographicFront"/>
-                <a:lightRig rig="threePt" dir="t"/>
-              </a:scene3d>
-              <a:sp3d contourW="12700"/>
-            </a:bodyPr>
-            <a:lstStyle/>
-            <a:p>
-              <a:pPr algn="just">
-                <a:lnSpc>
-                  <a:spcPct val="120000"/>
-                </a:lnSpc>
-              </a:pPr>
-              <a:r>
-                <a:rPr lang="zh-CN" altLang="en-US" sz="2400" b="1" dirty="0">
-                  <a:solidFill>
-                    <a:schemeClr val="tx1">
-                      <a:lumMod val="65000"/>
-                      <a:lumOff val="35000"/>
-                    </a:schemeClr>
-                  </a:solidFill>
-                  <a:latin typeface="迷你简准圆" panose="03000509000000000000" pitchFamily="65" charset="-122"/>
-                  <a:ea typeface="迷你简准圆" panose="03000509000000000000" pitchFamily="65" charset="-122"/>
-                </a:rPr>
-                <a:t>标题文字添加</a:t>
-              </a:r>
-            </a:p>
-          </p:txBody>
-        </p:sp>
-      </p:grpSp>
-      <p:grpSp>
-        <p:nvGrpSpPr>
-          <p:cNvPr id="12" name="组合 11"/>
-          <p:cNvGrpSpPr/>
-          <p:nvPr/>
-        </p:nvGrpSpPr>
-        <p:grpSpPr>
-          <a:xfrm>
-            <a:off x="6745109" y="4620790"/>
-            <a:ext cx="4075291" cy="1165673"/>
-            <a:chOff x="874712" y="3195403"/>
-            <a:chExt cx="4075291" cy="1165673"/>
-          </a:xfrm>
-        </p:grpSpPr>
-        <p:sp>
-          <p:nvSpPr>
-            <p:cNvPr id="13" name="矩形 12"/>
-            <p:cNvSpPr/>
-            <p:nvPr/>
-          </p:nvSpPr>
-          <p:spPr>
-            <a:xfrm>
-              <a:off x="874712" y="3677812"/>
-              <a:ext cx="4075291" cy="683264"/>
-            </a:xfrm>
-            <a:prstGeom prst="rect">
-              <a:avLst/>
-            </a:prstGeom>
-          </p:spPr>
-          <p:txBody>
-            <a:bodyPr wrap="square">
-              <a:spAutoFit/>
-              <a:scene3d>
-                <a:camera prst="orthographicFront"/>
-                <a:lightRig rig="threePt" dir="t"/>
-              </a:scene3d>
-              <a:sp3d contourW="12700"/>
-            </a:bodyPr>
-            <a:lstStyle/>
-            <a:p>
-              <a:pPr algn="just">
-                <a:lnSpc>
-                  <a:spcPct val="120000"/>
-                </a:lnSpc>
-              </a:pPr>
-              <a:r>
-                <a:rPr lang="zh-CN" altLang="en-US" sz="1600" dirty="0">
-                  <a:solidFill>
-                    <a:schemeClr val="tx1">
-                      <a:lumMod val="50000"/>
-                      <a:lumOff val="50000"/>
-                    </a:schemeClr>
-                  </a:solidFill>
-                  <a:latin typeface="迷你简准圆" panose="03000509000000000000" pitchFamily="65" charset="-122"/>
-                  <a:ea typeface="迷你简准圆" panose="03000509000000000000" pitchFamily="65" charset="-122"/>
-                </a:rPr>
-                <a:t>用户可以在投影仪或者计算机上进行演示也可以将演示文稿打印出来制作成胶片</a:t>
-              </a:r>
-            </a:p>
-          </p:txBody>
-        </p:sp>
-        <p:sp>
-          <p:nvSpPr>
-            <p:cNvPr id="14" name="矩形 13"/>
-            <p:cNvSpPr/>
-            <p:nvPr/>
-          </p:nvSpPr>
-          <p:spPr>
-            <a:xfrm>
-              <a:off x="874713" y="3195403"/>
-              <a:ext cx="2241974" cy="505203"/>
-            </a:xfrm>
-            <a:prstGeom prst="rect">
-              <a:avLst/>
-            </a:prstGeom>
-          </p:spPr>
-          <p:txBody>
-            <a:bodyPr wrap="square">
-              <a:spAutoFit/>
-              <a:scene3d>
-                <a:camera prst="orthographicFront"/>
-                <a:lightRig rig="threePt" dir="t"/>
-              </a:scene3d>
-              <a:sp3d contourW="12700"/>
-            </a:bodyPr>
-            <a:lstStyle/>
-            <a:p>
-              <a:pPr algn="just">
-                <a:lnSpc>
-                  <a:spcPct val="120000"/>
-                </a:lnSpc>
-              </a:pPr>
-              <a:r>
-                <a:rPr lang="zh-CN" altLang="en-US" sz="2400" b="1" dirty="0">
-                  <a:solidFill>
-                    <a:schemeClr val="tx1">
-                      <a:lumMod val="65000"/>
-                      <a:lumOff val="35000"/>
-                    </a:schemeClr>
-                  </a:solidFill>
-                  <a:latin typeface="迷你简准圆" panose="03000509000000000000" pitchFamily="65" charset="-122"/>
-                  <a:ea typeface="迷你简准圆" panose="03000509000000000000" pitchFamily="65" charset="-122"/>
-                </a:rPr>
-                <a:t>标题文字添加</a:t>
+                <a:t>概述</a:t>
               </a:r>
             </a:p>
           </p:txBody>
@@ -6131,10 +6054,10 @@
         </p:nvGrpSpPr>
         <p:grpSpPr>
           <a:xfrm>
-            <a:off x="2991388" y="188821"/>
-            <a:ext cx="6190713" cy="1025001"/>
-            <a:chOff x="2991388" y="188821"/>
-            <a:chExt cx="6190713" cy="1025001"/>
+            <a:off x="2479865" y="318739"/>
+            <a:ext cx="8095281" cy="962800"/>
+            <a:chOff x="1661461" y="252222"/>
+            <a:chExt cx="8095281" cy="962800"/>
           </a:xfrm>
         </p:grpSpPr>
         <p:pic>
@@ -6153,7 +6076,7 @@
           </p:blipFill>
           <p:spPr>
             <a:xfrm rot="19239763">
-              <a:off x="2991388" y="283343"/>
+              <a:off x="1661461" y="284543"/>
               <a:ext cx="259681" cy="930479"/>
             </a:xfrm>
             <a:prstGeom prst="rect">
@@ -6169,8 +6092,8 @@
           </p:nvSpPr>
           <p:spPr>
             <a:xfrm>
-              <a:off x="3568701" y="981161"/>
-              <a:ext cx="5613400" cy="140512"/>
+              <a:off x="2601798" y="981161"/>
+              <a:ext cx="6580303" cy="116343"/>
             </a:xfrm>
             <a:custGeom>
               <a:avLst/>
@@ -6304,8 +6227,8 @@
           </p:nvSpPr>
           <p:spPr>
             <a:xfrm>
-              <a:off x="3594101" y="188821"/>
-              <a:ext cx="5109091" cy="830997"/>
+              <a:off x="2510019" y="252222"/>
+              <a:ext cx="7246723" cy="830997"/>
             </a:xfrm>
             <a:prstGeom prst="rect">
               <a:avLst/>
@@ -6313,11 +6236,30 @@
             <a:noFill/>
           </p:spPr>
           <p:txBody>
-            <a:bodyPr wrap="none" rtlCol="0">
+            <a:bodyPr wrap="square" rtlCol="0">
               <a:spAutoFit/>
             </a:bodyPr>
             <a:lstStyle/>
             <a:p>
+              <a:r>
+                <a:rPr lang="en-US" altLang="zh-CN" sz="4800" dirty="0">
+                  <a:ln>
+                    <a:solidFill>
+                      <a:srgbClr val="20201E"/>
+                    </a:solidFill>
+                  </a:ln>
+                  <a:blipFill dpi="0" rotWithShape="1">
+                    <a:blip r:embed="rId6"/>
+                    <a:srcRect/>
+                    <a:stretch>
+                      <a:fillRect/>
+                    </a:stretch>
+                  </a:blipFill>
+                  <a:latin typeface="汉仪黑荔枝体简" panose="00020600040101010101" pitchFamily="18" charset="-122"/>
+                  <a:ea typeface="汉仪黑荔枝体简" panose="00020600040101010101" pitchFamily="18" charset="-122"/>
+                </a:rPr>
+                <a:t>Zookeeper-</a:t>
+              </a:r>
               <a:r>
                 <a:rPr lang="zh-CN" altLang="en-US" sz="4800" dirty="0">
                   <a:ln>
@@ -6335,8 +6277,43 @@
                   <a:latin typeface="汉仪黑荔枝体简" panose="00020600040101010101" pitchFamily="18" charset="-122"/>
                   <a:ea typeface="汉仪黑荔枝体简" panose="00020600040101010101" pitchFamily="18" charset="-122"/>
                 </a:rPr>
-                <a:t>标题文字添加此处</a:t>
+                <a:t>基础篇</a:t>
               </a:r>
+              <a:r>
+                <a:rPr lang="en-US" altLang="zh-CN" sz="4800" dirty="0">
+                  <a:ln>
+                    <a:solidFill>
+                      <a:srgbClr val="20201E"/>
+                    </a:solidFill>
+                  </a:ln>
+                  <a:blipFill dpi="0" rotWithShape="1">
+                    <a:blip r:embed="rId6"/>
+                    <a:srcRect/>
+                    <a:stretch>
+                      <a:fillRect/>
+                    </a:stretch>
+                  </a:blipFill>
+                  <a:latin typeface="汉仪黑荔枝体简" panose="00020600040101010101" pitchFamily="18" charset="-122"/>
+                  <a:ea typeface="汉仪黑荔枝体简" panose="00020600040101010101" pitchFamily="18" charset="-122"/>
+                </a:rPr>
+                <a:t>-ACL</a:t>
+              </a:r>
+              <a:endParaRPr lang="zh-CN" altLang="en-US" sz="4800" dirty="0">
+                <a:ln>
+                  <a:solidFill>
+                    <a:srgbClr val="20201E"/>
+                  </a:solidFill>
+                </a:ln>
+                <a:blipFill dpi="0" rotWithShape="1">
+                  <a:blip r:embed="rId6"/>
+                  <a:srcRect/>
+                  <a:stretch>
+                    <a:fillRect/>
+                  </a:stretch>
+                </a:blipFill>
+                <a:latin typeface="汉仪黑荔枝体简" panose="00020600040101010101" pitchFamily="18" charset="-122"/>
+                <a:ea typeface="汉仪黑荔枝体简" panose="00020600040101010101" pitchFamily="18" charset="-122"/>
+              </a:endParaRPr>
             </a:p>
           </p:txBody>
         </p:sp>
@@ -6695,350 +6672,6 @@
                                         <p:cTn id="25" dur="500" fill="hold"/>
                                         <p:tgtEl>
                                           <p:spTgt spid="6"/>
-                                        </p:tgtEl>
-                                        <p:attrNameLst>
-                                          <p:attrName>ppt_y</p:attrName>
-                                        </p:attrNameLst>
-                                      </p:cBhvr>
-                                      <p:tavLst>
-                                        <p:tav tm="0">
-                                          <p:val>
-                                            <p:strVal val="#ppt_y"/>
-                                          </p:val>
-                                        </p:tav>
-                                        <p:tav tm="100000">
-                                          <p:val>
-                                            <p:strVal val="#ppt_y"/>
-                                          </p:val>
-                                        </p:tav>
-                                      </p:tavLst>
-                                    </p:anim>
-                                  </p:childTnLst>
-                                </p:cTn>
-                              </p:par>
-                            </p:childTnLst>
-                          </p:cTn>
-                        </p:par>
-                        <p:par>
-                          <p:cTn id="26" fill="hold">
-                            <p:stCondLst>
-                              <p:cond delay="2500"/>
-                            </p:stCondLst>
-                            <p:childTnLst>
-                              <p:par>
-                                <p:cTn id="27" presetID="42" presetClass="entr" presetSubtype="0" fill="hold" nodeType="afterEffect">
-                                  <p:stCondLst>
-                                    <p:cond delay="0"/>
-                                  </p:stCondLst>
-                                  <p:childTnLst>
-                                    <p:set>
-                                      <p:cBhvr>
-                                        <p:cTn id="28" dur="1" fill="hold">
-                                          <p:stCondLst>
-                                            <p:cond delay="0"/>
-                                          </p:stCondLst>
-                                        </p:cTn>
-                                        <p:tgtEl>
-                                          <p:spTgt spid="4"/>
-                                        </p:tgtEl>
-                                        <p:attrNameLst>
-                                          <p:attrName>style.visibility</p:attrName>
-                                        </p:attrNameLst>
-                                      </p:cBhvr>
-                                      <p:to>
-                                        <p:strVal val="visible"/>
-                                      </p:to>
-                                    </p:set>
-                                    <p:animEffect transition="in" filter="fade">
-                                      <p:cBhvr>
-                                        <p:cTn id="29" dur="1000"/>
-                                        <p:tgtEl>
-                                          <p:spTgt spid="4"/>
-                                        </p:tgtEl>
-                                      </p:cBhvr>
-                                    </p:animEffect>
-                                    <p:anim calcmode="lin" valueType="num">
-                                      <p:cBhvr>
-                                        <p:cTn id="30" dur="1000" fill="hold"/>
-                                        <p:tgtEl>
-                                          <p:spTgt spid="4"/>
-                                        </p:tgtEl>
-                                        <p:attrNameLst>
-                                          <p:attrName>ppt_x</p:attrName>
-                                        </p:attrNameLst>
-                                      </p:cBhvr>
-                                      <p:tavLst>
-                                        <p:tav tm="0">
-                                          <p:val>
-                                            <p:strVal val="#ppt_x"/>
-                                          </p:val>
-                                        </p:tav>
-                                        <p:tav tm="100000">
-                                          <p:val>
-                                            <p:strVal val="#ppt_x"/>
-                                          </p:val>
-                                        </p:tav>
-                                      </p:tavLst>
-                                    </p:anim>
-                                    <p:anim calcmode="lin" valueType="num">
-                                      <p:cBhvr>
-                                        <p:cTn id="31" dur="1000" fill="hold"/>
-                                        <p:tgtEl>
-                                          <p:spTgt spid="4"/>
-                                        </p:tgtEl>
-                                        <p:attrNameLst>
-                                          <p:attrName>ppt_y</p:attrName>
-                                        </p:attrNameLst>
-                                      </p:cBhvr>
-                                      <p:tavLst>
-                                        <p:tav tm="0">
-                                          <p:val>
-                                            <p:strVal val="#ppt_y+.1"/>
-                                          </p:val>
-                                        </p:tav>
-                                        <p:tav tm="100000">
-                                          <p:val>
-                                            <p:strVal val="#ppt_y"/>
-                                          </p:val>
-                                        </p:tav>
-                                      </p:tavLst>
-                                    </p:anim>
-                                  </p:childTnLst>
-                                </p:cTn>
-                              </p:par>
-                            </p:childTnLst>
-                          </p:cTn>
-                        </p:par>
-                        <p:par>
-                          <p:cTn id="32" fill="hold">
-                            <p:stCondLst>
-                              <p:cond delay="3500"/>
-                            </p:stCondLst>
-                            <p:childTnLst>
-                              <p:par>
-                                <p:cTn id="33" presetID="2" presetClass="entr" presetSubtype="2" fill="hold" nodeType="afterEffect">
-                                  <p:stCondLst>
-                                    <p:cond delay="0"/>
-                                  </p:stCondLst>
-                                  <p:childTnLst>
-                                    <p:set>
-                                      <p:cBhvr>
-                                        <p:cTn id="34" dur="1" fill="hold">
-                                          <p:stCondLst>
-                                            <p:cond delay="0"/>
-                                          </p:stCondLst>
-                                        </p:cTn>
-                                        <p:tgtEl>
-                                          <p:spTgt spid="9"/>
-                                        </p:tgtEl>
-                                        <p:attrNameLst>
-                                          <p:attrName>style.visibility</p:attrName>
-                                        </p:attrNameLst>
-                                      </p:cBhvr>
-                                      <p:to>
-                                        <p:strVal val="visible"/>
-                                      </p:to>
-                                    </p:set>
-                                    <p:anim calcmode="lin" valueType="num">
-                                      <p:cBhvr additive="base">
-                                        <p:cTn id="35" dur="500" fill="hold"/>
-                                        <p:tgtEl>
-                                          <p:spTgt spid="9"/>
-                                        </p:tgtEl>
-                                        <p:attrNameLst>
-                                          <p:attrName>ppt_x</p:attrName>
-                                        </p:attrNameLst>
-                                      </p:cBhvr>
-                                      <p:tavLst>
-                                        <p:tav tm="0">
-                                          <p:val>
-                                            <p:strVal val="1+#ppt_w/2"/>
-                                          </p:val>
-                                        </p:tav>
-                                        <p:tav tm="100000">
-                                          <p:val>
-                                            <p:strVal val="#ppt_x"/>
-                                          </p:val>
-                                        </p:tav>
-                                      </p:tavLst>
-                                    </p:anim>
-                                    <p:anim calcmode="lin" valueType="num">
-                                      <p:cBhvr additive="base">
-                                        <p:cTn id="36" dur="500" fill="hold"/>
-                                        <p:tgtEl>
-                                          <p:spTgt spid="9"/>
-                                        </p:tgtEl>
-                                        <p:attrNameLst>
-                                          <p:attrName>ppt_y</p:attrName>
-                                        </p:attrNameLst>
-                                      </p:cBhvr>
-                                      <p:tavLst>
-                                        <p:tav tm="0">
-                                          <p:val>
-                                            <p:strVal val="#ppt_y"/>
-                                          </p:val>
-                                        </p:tav>
-                                        <p:tav tm="100000">
-                                          <p:val>
-                                            <p:strVal val="#ppt_y"/>
-                                          </p:val>
-                                        </p:tav>
-                                      </p:tavLst>
-                                    </p:anim>
-                                  </p:childTnLst>
-                                </p:cTn>
-                              </p:par>
-                            </p:childTnLst>
-                          </p:cTn>
-                        </p:par>
-                        <p:par>
-                          <p:cTn id="37" fill="hold">
-                            <p:stCondLst>
-                              <p:cond delay="4000"/>
-                            </p:stCondLst>
-                            <p:childTnLst>
-                              <p:par>
-                                <p:cTn id="38" presetID="42" presetClass="entr" presetSubtype="0" fill="hold" nodeType="afterEffect">
-                                  <p:stCondLst>
-                                    <p:cond delay="0"/>
-                                  </p:stCondLst>
-                                  <p:childTnLst>
-                                    <p:set>
-                                      <p:cBhvr>
-                                        <p:cTn id="39" dur="1" fill="hold">
-                                          <p:stCondLst>
-                                            <p:cond delay="0"/>
-                                          </p:stCondLst>
-                                        </p:cTn>
-                                        <p:tgtEl>
-                                          <p:spTgt spid="5"/>
-                                        </p:tgtEl>
-                                        <p:attrNameLst>
-                                          <p:attrName>style.visibility</p:attrName>
-                                        </p:attrNameLst>
-                                      </p:cBhvr>
-                                      <p:to>
-                                        <p:strVal val="visible"/>
-                                      </p:to>
-                                    </p:set>
-                                    <p:animEffect transition="in" filter="fade">
-                                      <p:cBhvr>
-                                        <p:cTn id="40" dur="1000"/>
-                                        <p:tgtEl>
-                                          <p:spTgt spid="5"/>
-                                        </p:tgtEl>
-                                      </p:cBhvr>
-                                    </p:animEffect>
-                                    <p:anim calcmode="lin" valueType="num">
-                                      <p:cBhvr>
-                                        <p:cTn id="41" dur="1000" fill="hold"/>
-                                        <p:tgtEl>
-                                          <p:spTgt spid="5"/>
-                                        </p:tgtEl>
-                                        <p:attrNameLst>
-                                          <p:attrName>ppt_x</p:attrName>
-                                        </p:attrNameLst>
-                                      </p:cBhvr>
-                                      <p:tavLst>
-                                        <p:tav tm="0">
-                                          <p:val>
-                                            <p:strVal val="#ppt_x"/>
-                                          </p:val>
-                                        </p:tav>
-                                        <p:tav tm="100000">
-                                          <p:val>
-                                            <p:strVal val="#ppt_x"/>
-                                          </p:val>
-                                        </p:tav>
-                                      </p:tavLst>
-                                    </p:anim>
-                                    <p:anim calcmode="lin" valueType="num">
-                                      <p:cBhvr>
-                                        <p:cTn id="42" dur="1000" fill="hold"/>
-                                        <p:tgtEl>
-                                          <p:spTgt spid="5"/>
-                                        </p:tgtEl>
-                                        <p:attrNameLst>
-                                          <p:attrName>ppt_y</p:attrName>
-                                        </p:attrNameLst>
-                                      </p:cBhvr>
-                                      <p:tavLst>
-                                        <p:tav tm="0">
-                                          <p:val>
-                                            <p:strVal val="#ppt_y+.1"/>
-                                          </p:val>
-                                        </p:tav>
-                                        <p:tav tm="100000">
-                                          <p:val>
-                                            <p:strVal val="#ppt_y"/>
-                                          </p:val>
-                                        </p:tav>
-                                      </p:tavLst>
-                                    </p:anim>
-                                  </p:childTnLst>
-                                </p:cTn>
-                              </p:par>
-                            </p:childTnLst>
-                          </p:cTn>
-                        </p:par>
-                        <p:par>
-                          <p:cTn id="43" fill="hold">
-                            <p:stCondLst>
-                              <p:cond delay="5000"/>
-                            </p:stCondLst>
-                            <p:childTnLst>
-                              <p:par>
-                                <p:cTn id="44" presetID="2" presetClass="entr" presetSubtype="2" fill="hold" nodeType="afterEffect">
-                                  <p:stCondLst>
-                                    <p:cond delay="0"/>
-                                  </p:stCondLst>
-                                  <p:childTnLst>
-                                    <p:set>
-                                      <p:cBhvr>
-                                        <p:cTn id="45" dur="1" fill="hold">
-                                          <p:stCondLst>
-                                            <p:cond delay="0"/>
-                                          </p:stCondLst>
-                                        </p:cTn>
-                                        <p:tgtEl>
-                                          <p:spTgt spid="12"/>
-                                        </p:tgtEl>
-                                        <p:attrNameLst>
-                                          <p:attrName>style.visibility</p:attrName>
-                                        </p:attrNameLst>
-                                      </p:cBhvr>
-                                      <p:to>
-                                        <p:strVal val="visible"/>
-                                      </p:to>
-                                    </p:set>
-                                    <p:anim calcmode="lin" valueType="num">
-                                      <p:cBhvr additive="base">
-                                        <p:cTn id="46" dur="500" fill="hold"/>
-                                        <p:tgtEl>
-                                          <p:spTgt spid="12"/>
-                                        </p:tgtEl>
-                                        <p:attrNameLst>
-                                          <p:attrName>ppt_x</p:attrName>
-                                        </p:attrNameLst>
-                                      </p:cBhvr>
-                                      <p:tavLst>
-                                        <p:tav tm="0">
-                                          <p:val>
-                                            <p:strVal val="1+#ppt_w/2"/>
-                                          </p:val>
-                                        </p:tav>
-                                        <p:tav tm="100000">
-                                          <p:val>
-                                            <p:strVal val="#ppt_x"/>
-                                          </p:val>
-                                        </p:tav>
-                                      </p:tavLst>
-                                    </p:anim>
-                                    <p:anim calcmode="lin" valueType="num">
-                                      <p:cBhvr additive="base">
-                                        <p:cTn id="47" dur="500" fill="hold"/>
-                                        <p:tgtEl>
-                                          <p:spTgt spid="12"/>
                                         </p:tgtEl>
                                         <p:attrNameLst>
                                           <p:attrName>ppt_y</p:attrName>

--- a/Document library/ppt/zookeeper.pptx
+++ b/Document library/ppt/zookeeper.pptx
@@ -5,37 +5,38 @@
     <p:sldMasterId id="2147483648" r:id="rId1"/>
   </p:sldMasterIdLst>
   <p:notesMasterIdLst>
-    <p:notesMasterId r:id="rId9"/>
+    <p:notesMasterId r:id="rId10"/>
   </p:notesMasterIdLst>
   <p:sldIdLst>
     <p:sldId id="271" r:id="rId2"/>
     <p:sldId id="279" r:id="rId3"/>
     <p:sldId id="280" r:id="rId4"/>
-    <p:sldId id="258" r:id="rId5"/>
-    <p:sldId id="262" r:id="rId6"/>
-    <p:sldId id="261" r:id="rId7"/>
-    <p:sldId id="278" r:id="rId8"/>
+    <p:sldId id="281" r:id="rId5"/>
+    <p:sldId id="258" r:id="rId6"/>
+    <p:sldId id="262" r:id="rId7"/>
+    <p:sldId id="261" r:id="rId8"/>
+    <p:sldId id="278" r:id="rId9"/>
   </p:sldIdLst>
   <p:sldSz cx="12192000" cy="6858000"/>
   <p:notesSz cx="6858000" cy="9144000"/>
   <p:embeddedFontLst>
     <p:embeddedFont>
       <p:font typeface="汉仪黑荔枝体简" panose="02010600030101010101" charset="-122"/>
-      <p:regular r:id="rId10"/>
+      <p:regular r:id="rId11"/>
     </p:embeddedFont>
     <p:embeddedFont>
       <p:font typeface="迷你简准圆" panose="02010600030101010101" charset="-122"/>
-      <p:regular r:id="rId11"/>
+      <p:regular r:id="rId12"/>
     </p:embeddedFont>
     <p:embeddedFont>
       <p:font typeface="等线" panose="02010600030101010101" pitchFamily="2" charset="-122"/>
-      <p:regular r:id="rId12"/>
-      <p:bold r:id="rId13"/>
+      <p:regular r:id="rId13"/>
+      <p:bold r:id="rId14"/>
     </p:embeddedFont>
     <p:embeddedFont>
       <p:font typeface="微软雅黑" panose="020B0503020204020204" pitchFamily="34" charset="-122"/>
-      <p:regular r:id="rId14"/>
-      <p:bold r:id="rId15"/>
+      <p:regular r:id="rId15"/>
+      <p:bold r:id="rId16"/>
     </p:embeddedFont>
   </p:embeddedFontLst>
   <p:defaultTextStyle>
@@ -223,7 +224,7 @@
           <a:p>
             <a:fld id="{DDBC2F4E-C554-4C3F-AF57-4E4814812BB1}" type="datetimeFigureOut">
               <a:rPr lang="zh-CN" altLang="en-US" smtClean="0"/>
-              <a:t>2021/2/4</a:t>
+              <a:t>2021/2/5</a:t>
             </a:fld>
             <a:endParaRPr lang="zh-CN" altLang="en-US"/>
           </a:p>
@@ -804,6 +805,11 @@
         </p:txBody>
       </p:sp>
     </p:spTree>
+    <p:extLst>
+      <p:ext uri="{BB962C8B-B14F-4D97-AF65-F5344CB8AC3E}">
+        <p14:creationId xmlns:p14="http://schemas.microsoft.com/office/powerpoint/2010/main" val="2912151170"/>
+      </p:ext>
+    </p:extLst>
   </p:cSld>
   <p:clrMapOvr>
     <a:masterClrMapping/>
@@ -1035,6 +1041,85 @@
             <a:fld id="{034586B1-16A4-4A75-8504-E52F78528046}" type="slidenum">
               <a:rPr lang="zh-CN" altLang="en-US" smtClean="0"/>
               <a:t>7</a:t>
+            </a:fld>
+            <a:endParaRPr lang="zh-CN" altLang="en-US"/>
+          </a:p>
+        </p:txBody>
+      </p:sp>
+    </p:spTree>
+  </p:cSld>
+  <p:clrMapOvr>
+    <a:masterClrMapping/>
+  </p:clrMapOvr>
+</p:notes>
+</file>
+
+<file path=ppt/notesSlides/notesSlide8.xml><?xml version="1.0" encoding="utf-8"?>
+<p:notes xmlns:a="http://schemas.openxmlformats.org/drawingml/2006/main" xmlns:r="http://schemas.openxmlformats.org/officeDocument/2006/relationships" xmlns:p="http://schemas.openxmlformats.org/presentationml/2006/main">
+  <p:cSld>
+    <p:spTree>
+      <p:nvGrpSpPr>
+        <p:cNvPr id="1" name=""/>
+        <p:cNvGrpSpPr/>
+        <p:nvPr/>
+      </p:nvGrpSpPr>
+      <p:grpSpPr>
+        <a:xfrm>
+          <a:off x="0" y="0"/>
+          <a:ext cx="0" cy="0"/>
+          <a:chOff x="0" y="0"/>
+          <a:chExt cx="0" cy="0"/>
+        </a:xfrm>
+      </p:grpSpPr>
+      <p:sp>
+        <p:nvSpPr>
+          <p:cNvPr id="2" name="幻灯片图像占位符 1"/>
+          <p:cNvSpPr>
+            <a:spLocks noGrp="1" noRot="1" noChangeAspect="1"/>
+          </p:cNvSpPr>
+          <p:nvPr>
+            <p:ph type="sldImg"/>
+          </p:nvPr>
+        </p:nvSpPr>
+        <p:spPr/>
+      </p:sp>
+      <p:sp>
+        <p:nvSpPr>
+          <p:cNvPr id="3" name="备注占位符 2"/>
+          <p:cNvSpPr>
+            <a:spLocks noGrp="1"/>
+          </p:cNvSpPr>
+          <p:nvPr>
+            <p:ph type="body" idx="1"/>
+          </p:nvPr>
+        </p:nvSpPr>
+        <p:spPr/>
+        <p:txBody>
+          <a:bodyPr/>
+          <a:lstStyle/>
+          <a:p>
+            <a:endParaRPr lang="zh-CN" altLang="en-US"/>
+          </a:p>
+        </p:txBody>
+      </p:sp>
+      <p:sp>
+        <p:nvSpPr>
+          <p:cNvPr id="4" name="灯片编号占位符 3"/>
+          <p:cNvSpPr>
+            <a:spLocks noGrp="1"/>
+          </p:cNvSpPr>
+          <p:nvPr>
+            <p:ph type="sldNum" sz="quarter" idx="10"/>
+          </p:nvPr>
+        </p:nvSpPr>
+        <p:spPr/>
+        <p:txBody>
+          <a:bodyPr/>
+          <a:lstStyle/>
+          <a:p>
+            <a:fld id="{034586B1-16A4-4A75-8504-E52F78528046}" type="slidenum">
+              <a:rPr lang="zh-CN" altLang="en-US" smtClean="0"/>
+              <a:t>8</a:t>
             </a:fld>
             <a:endParaRPr lang="zh-CN" altLang="en-US"/>
           </a:p>
@@ -5684,6 +5769,667 @@
 </file>
 
 <file path=ppt/slides/slide4.xml><?xml version="1.0" encoding="utf-8"?>
+<p:sld xmlns:a="http://schemas.openxmlformats.org/drawingml/2006/main" xmlns:r="http://schemas.openxmlformats.org/officeDocument/2006/relationships" xmlns:p="http://schemas.openxmlformats.org/presentationml/2006/main">
+  <p:cSld>
+    <p:spTree>
+      <p:nvGrpSpPr>
+        <p:cNvPr id="1" name=""/>
+        <p:cNvGrpSpPr/>
+        <p:nvPr/>
+      </p:nvGrpSpPr>
+      <p:grpSpPr>
+        <a:xfrm>
+          <a:off x="0" y="0"/>
+          <a:ext cx="0" cy="0"/>
+          <a:chOff x="0" y="0"/>
+          <a:chExt cx="0" cy="0"/>
+        </a:xfrm>
+      </p:grpSpPr>
+      <p:pic>
+        <p:nvPicPr>
+          <p:cNvPr id="2" name="图片 1"/>
+          <p:cNvPicPr>
+            <a:picLocks noChangeAspect="1"/>
+          </p:cNvPicPr>
+          <p:nvPr/>
+        </p:nvPicPr>
+        <p:blipFill>
+          <a:blip r:embed="rId3"/>
+          <a:stretch>
+            <a:fillRect/>
+          </a:stretch>
+        </p:blipFill>
+        <p:spPr>
+          <a:xfrm rot="20632978">
+            <a:off x="931538" y="2139078"/>
+            <a:ext cx="719991" cy="2579843"/>
+          </a:xfrm>
+          <a:prstGeom prst="rect">
+            <a:avLst/>
+          </a:prstGeom>
+        </p:spPr>
+      </p:pic>
+      <p:sp>
+        <p:nvSpPr>
+          <p:cNvPr id="3" name="任意多边形 2"/>
+          <p:cNvSpPr/>
+          <p:nvPr/>
+        </p:nvSpPr>
+        <p:spPr>
+          <a:xfrm>
+            <a:off x="2469967" y="4123985"/>
+            <a:ext cx="6828790" cy="170815"/>
+          </a:xfrm>
+          <a:custGeom>
+            <a:avLst/>
+            <a:gdLst>
+              <a:gd name="connsiteX0" fmla="*/ 0 w 5613400"/>
+              <a:gd name="connsiteY0" fmla="*/ 114821 h 140512"/>
+              <a:gd name="connsiteX1" fmla="*/ 660400 w 5613400"/>
+              <a:gd name="connsiteY1" fmla="*/ 521 h 140512"/>
+              <a:gd name="connsiteX2" fmla="*/ 1536700 w 5613400"/>
+              <a:gd name="connsiteY2" fmla="*/ 89421 h 140512"/>
+              <a:gd name="connsiteX3" fmla="*/ 2438400 w 5613400"/>
+              <a:gd name="connsiteY3" fmla="*/ 521 h 140512"/>
+              <a:gd name="connsiteX4" fmla="*/ 3441700 w 5613400"/>
+              <a:gd name="connsiteY4" fmla="*/ 140221 h 140512"/>
+              <a:gd name="connsiteX5" fmla="*/ 4432300 w 5613400"/>
+              <a:gd name="connsiteY5" fmla="*/ 38621 h 140512"/>
+              <a:gd name="connsiteX6" fmla="*/ 4940300 w 5613400"/>
+              <a:gd name="connsiteY6" fmla="*/ 89421 h 140512"/>
+              <a:gd name="connsiteX7" fmla="*/ 5613400 w 5613400"/>
+              <a:gd name="connsiteY7" fmla="*/ 521 h 140512"/>
+            </a:gdLst>
+            <a:ahLst/>
+            <a:cxnLst>
+              <a:cxn ang="0">
+                <a:pos x="connsiteX0" y="connsiteY0"/>
+              </a:cxn>
+              <a:cxn ang="0">
+                <a:pos x="connsiteX1" y="connsiteY1"/>
+              </a:cxn>
+              <a:cxn ang="0">
+                <a:pos x="connsiteX2" y="connsiteY2"/>
+              </a:cxn>
+              <a:cxn ang="0">
+                <a:pos x="connsiteX3" y="connsiteY3"/>
+              </a:cxn>
+              <a:cxn ang="0">
+                <a:pos x="connsiteX4" y="connsiteY4"/>
+              </a:cxn>
+              <a:cxn ang="0">
+                <a:pos x="connsiteX5" y="connsiteY5"/>
+              </a:cxn>
+              <a:cxn ang="0">
+                <a:pos x="connsiteX6" y="connsiteY6"/>
+              </a:cxn>
+              <a:cxn ang="0">
+                <a:pos x="connsiteX7" y="connsiteY7"/>
+              </a:cxn>
+            </a:cxnLst>
+            <a:rect l="l" t="t" r="r" b="b"/>
+            <a:pathLst>
+              <a:path w="5613400" h="140512">
+                <a:moveTo>
+                  <a:pt x="0" y="114821"/>
+                </a:moveTo>
+                <a:cubicBezTo>
+                  <a:pt x="202141" y="59787"/>
+                  <a:pt x="404283" y="4754"/>
+                  <a:pt x="660400" y="521"/>
+                </a:cubicBezTo>
+                <a:cubicBezTo>
+                  <a:pt x="916517" y="-3712"/>
+                  <a:pt x="1240367" y="89421"/>
+                  <a:pt x="1536700" y="89421"/>
+                </a:cubicBezTo>
+                <a:cubicBezTo>
+                  <a:pt x="1833033" y="89421"/>
+                  <a:pt x="2120900" y="-7946"/>
+                  <a:pt x="2438400" y="521"/>
+                </a:cubicBezTo>
+                <a:cubicBezTo>
+                  <a:pt x="2755900" y="8988"/>
+                  <a:pt x="3109383" y="133871"/>
+                  <a:pt x="3441700" y="140221"/>
+                </a:cubicBezTo>
+                <a:cubicBezTo>
+                  <a:pt x="3774017" y="146571"/>
+                  <a:pt x="4182534" y="47088"/>
+                  <a:pt x="4432300" y="38621"/>
+                </a:cubicBezTo>
+                <a:cubicBezTo>
+                  <a:pt x="4682066" y="30154"/>
+                  <a:pt x="4743450" y="95771"/>
+                  <a:pt x="4940300" y="89421"/>
+                </a:cubicBezTo>
+                <a:cubicBezTo>
+                  <a:pt x="5137150" y="83071"/>
+                  <a:pt x="5375275" y="41796"/>
+                  <a:pt x="5613400" y="521"/>
+                </a:cubicBezTo>
+              </a:path>
+            </a:pathLst>
+          </a:custGeom>
+          <a:noFill/>
+          <a:ln w="38100">
+            <a:solidFill>
+              <a:srgbClr val="1B1B1A"/>
+            </a:solidFill>
+            <a:prstDash val="sysDash"/>
+          </a:ln>
+        </p:spPr>
+        <p:style>
+          <a:lnRef idx="2">
+            <a:schemeClr val="accent1">
+              <a:shade val="50000"/>
+            </a:schemeClr>
+          </a:lnRef>
+          <a:fillRef idx="1">
+            <a:schemeClr val="accent1"/>
+          </a:fillRef>
+          <a:effectRef idx="0">
+            <a:schemeClr val="accent1"/>
+          </a:effectRef>
+          <a:fontRef idx="minor">
+            <a:schemeClr val="lt1"/>
+          </a:fontRef>
+        </p:style>
+        <p:txBody>
+          <a:bodyPr rtlCol="0" anchor="ctr"/>
+          <a:lstStyle/>
+          <a:p>
+            <a:pPr algn="ctr"/>
+            <a:endParaRPr lang="zh-CN" altLang="en-US" dirty="0"/>
+          </a:p>
+        </p:txBody>
+      </p:sp>
+      <p:sp>
+        <p:nvSpPr>
+          <p:cNvPr id="4" name="文本框 3"/>
+          <p:cNvSpPr txBox="1"/>
+          <p:nvPr/>
+        </p:nvSpPr>
+        <p:spPr>
+          <a:xfrm>
+            <a:off x="1663902" y="2487788"/>
+            <a:ext cx="9191133" cy="830997"/>
+          </a:xfrm>
+          <a:prstGeom prst="rect">
+            <a:avLst/>
+          </a:prstGeom>
+          <a:noFill/>
+        </p:spPr>
+        <p:txBody>
+          <a:bodyPr wrap="square" rtlCol="0">
+            <a:spAutoFit/>
+          </a:bodyPr>
+          <a:lstStyle/>
+          <a:p>
+            <a:r>
+              <a:rPr lang="en-US" altLang="zh-CN" sz="4800" dirty="0">
+                <a:ln>
+                  <a:solidFill>
+                    <a:srgbClr val="20201E"/>
+                  </a:solidFill>
+                </a:ln>
+                <a:blipFill dpi="0" rotWithShape="1">
+                  <a:blip r:embed="rId4"/>
+                  <a:srcRect/>
+                  <a:stretch>
+                    <a:fillRect/>
+                  </a:stretch>
+                </a:blipFill>
+                <a:latin typeface="汉仪黑荔枝体简" panose="00020600040101010101" pitchFamily="18" charset="-122"/>
+                <a:ea typeface="汉仪黑荔枝体简" panose="00020600040101010101" pitchFamily="18" charset="-122"/>
+              </a:rPr>
+              <a:t>Zookeeper-</a:t>
+            </a:r>
+            <a:r>
+              <a:rPr lang="zh-CN" altLang="en-US" sz="4800" dirty="0">
+                <a:ln>
+                  <a:solidFill>
+                    <a:srgbClr val="20201E"/>
+                  </a:solidFill>
+                </a:ln>
+                <a:blipFill dpi="0" rotWithShape="1">
+                  <a:blip r:embed="rId4"/>
+                  <a:srcRect/>
+                  <a:stretch>
+                    <a:fillRect/>
+                  </a:stretch>
+                </a:blipFill>
+                <a:latin typeface="汉仪黑荔枝体简" panose="00020600040101010101" pitchFamily="18" charset="-122"/>
+                <a:ea typeface="汉仪黑荔枝体简" panose="00020600040101010101" pitchFamily="18" charset="-122"/>
+              </a:rPr>
+              <a:t>基础篇</a:t>
+            </a:r>
+            <a:r>
+              <a:rPr lang="en-US" altLang="zh-CN" sz="4800" dirty="0">
+                <a:ln>
+                  <a:solidFill>
+                    <a:srgbClr val="20201E"/>
+                  </a:solidFill>
+                </a:ln>
+                <a:blipFill dpi="0" rotWithShape="1">
+                  <a:blip r:embed="rId4"/>
+                  <a:srcRect/>
+                  <a:stretch>
+                    <a:fillRect/>
+                  </a:stretch>
+                </a:blipFill>
+                <a:latin typeface="汉仪黑荔枝体简" panose="00020600040101010101" pitchFamily="18" charset="-122"/>
+                <a:ea typeface="汉仪黑荔枝体简" panose="00020600040101010101" pitchFamily="18" charset="-122"/>
+              </a:rPr>
+              <a:t>-Watcher</a:t>
+            </a:r>
+            <a:endParaRPr lang="zh-CN" altLang="en-US" sz="4800" dirty="0">
+              <a:ln>
+                <a:solidFill>
+                  <a:srgbClr val="20201E"/>
+                </a:solidFill>
+              </a:ln>
+              <a:blipFill dpi="0" rotWithShape="1">
+                <a:blip r:embed="rId4"/>
+                <a:srcRect/>
+                <a:stretch>
+                  <a:fillRect/>
+                </a:stretch>
+              </a:blipFill>
+              <a:latin typeface="汉仪黑荔枝体简" panose="00020600040101010101" pitchFamily="18" charset="-122"/>
+              <a:ea typeface="汉仪黑荔枝体简" panose="00020600040101010101" pitchFamily="18" charset="-122"/>
+            </a:endParaRPr>
+          </a:p>
+        </p:txBody>
+      </p:sp>
+      <p:sp>
+        <p:nvSpPr>
+          <p:cNvPr id="5" name="文本框 4"/>
+          <p:cNvSpPr txBox="1"/>
+          <p:nvPr/>
+        </p:nvSpPr>
+        <p:spPr>
+          <a:xfrm>
+            <a:off x="2639648" y="3411631"/>
+            <a:ext cx="7239642" cy="270715"/>
+          </a:xfrm>
+          <a:prstGeom prst="rect">
+            <a:avLst/>
+          </a:prstGeom>
+          <a:noFill/>
+        </p:spPr>
+        <p:txBody>
+          <a:bodyPr wrap="square" rtlCol="0">
+            <a:spAutoFit/>
+            <a:scene3d>
+              <a:camera prst="orthographicFront"/>
+              <a:lightRig rig="threePt" dir="t"/>
+            </a:scene3d>
+            <a:sp3d contourW="12700"/>
+          </a:bodyPr>
+          <a:lstStyle/>
+          <a:p>
+            <a:pPr>
+              <a:lnSpc>
+                <a:spcPct val="114000"/>
+              </a:lnSpc>
+            </a:pPr>
+            <a:r>
+              <a:rPr lang="en-US" altLang="zh-CN" sz="1100" dirty="0">
+                <a:solidFill>
+                  <a:schemeClr val="bg1">
+                    <a:lumMod val="50000"/>
+                  </a:schemeClr>
+                </a:solidFill>
+                <a:latin typeface="+mj-ea"/>
+                <a:ea typeface="+mj-ea"/>
+              </a:rPr>
+              <a:t>He can help better manage calls between services. Let you write business code with confidence.</a:t>
+            </a:r>
+          </a:p>
+        </p:txBody>
+      </p:sp>
+    </p:spTree>
+    <p:extLst>
+      <p:ext uri="{BB962C8B-B14F-4D97-AF65-F5344CB8AC3E}">
+        <p14:creationId xmlns:p14="http://schemas.microsoft.com/office/powerpoint/2010/main" val="2586274221"/>
+      </p:ext>
+    </p:extLst>
+  </p:cSld>
+  <p:clrMapOvr>
+    <a:masterClrMapping/>
+  </p:clrMapOvr>
+  <mc:AlternateContent xmlns:mc="http://schemas.openxmlformats.org/markup-compatibility/2006">
+    <mc:Choice xmlns:p14="http://schemas.microsoft.com/office/powerpoint/2010/main" Requires="p14">
+      <p:transition spd="slow" p14:dur="1500" advTm="0">
+        <p:random/>
+      </p:transition>
+    </mc:Choice>
+    <mc:Fallback>
+      <p:transition spd="slow" advTm="0">
+        <p:random/>
+      </p:transition>
+    </mc:Fallback>
+  </mc:AlternateContent>
+  <p:timing>
+    <p:tnLst>
+      <p:par>
+        <p:cTn id="1" dur="indefinite" restart="never" nodeType="tmRoot">
+          <p:childTnLst>
+            <p:seq concurrent="1" nextAc="seek">
+              <p:cTn id="2" dur="indefinite" nodeType="mainSeq">
+                <p:childTnLst>
+                  <p:par>
+                    <p:cTn id="3" fill="hold">
+                      <p:stCondLst>
+                        <p:cond delay="indefinite"/>
+                        <p:cond evt="onBegin" delay="0">
+                          <p:tn val="2"/>
+                        </p:cond>
+                      </p:stCondLst>
+                      <p:childTnLst>
+                        <p:par>
+                          <p:cTn id="4" fill="hold">
+                            <p:stCondLst>
+                              <p:cond delay="0"/>
+                            </p:stCondLst>
+                            <p:childTnLst>
+                              <p:par>
+                                <p:cTn id="5" presetID="47" presetClass="entr" presetSubtype="0" fill="hold" nodeType="afterEffect">
+                                  <p:stCondLst>
+                                    <p:cond delay="0"/>
+                                  </p:stCondLst>
+                                  <p:childTnLst>
+                                    <p:set>
+                                      <p:cBhvr>
+                                        <p:cTn id="6" dur="1" fill="hold">
+                                          <p:stCondLst>
+                                            <p:cond delay="0"/>
+                                          </p:stCondLst>
+                                        </p:cTn>
+                                        <p:tgtEl>
+                                          <p:spTgt spid="2"/>
+                                        </p:tgtEl>
+                                        <p:attrNameLst>
+                                          <p:attrName>style.visibility</p:attrName>
+                                        </p:attrNameLst>
+                                      </p:cBhvr>
+                                      <p:to>
+                                        <p:strVal val="visible"/>
+                                      </p:to>
+                                    </p:set>
+                                    <p:animEffect transition="in" filter="fade">
+                                      <p:cBhvr>
+                                        <p:cTn id="7" dur="1000"/>
+                                        <p:tgtEl>
+                                          <p:spTgt spid="2"/>
+                                        </p:tgtEl>
+                                      </p:cBhvr>
+                                    </p:animEffect>
+                                    <p:anim calcmode="lin" valueType="num">
+                                      <p:cBhvr>
+                                        <p:cTn id="8" dur="1000" fill="hold"/>
+                                        <p:tgtEl>
+                                          <p:spTgt spid="2"/>
+                                        </p:tgtEl>
+                                        <p:attrNameLst>
+                                          <p:attrName>ppt_x</p:attrName>
+                                        </p:attrNameLst>
+                                      </p:cBhvr>
+                                      <p:tavLst>
+                                        <p:tav tm="0">
+                                          <p:val>
+                                            <p:strVal val="#ppt_x"/>
+                                          </p:val>
+                                        </p:tav>
+                                        <p:tav tm="100000">
+                                          <p:val>
+                                            <p:strVal val="#ppt_x"/>
+                                          </p:val>
+                                        </p:tav>
+                                      </p:tavLst>
+                                    </p:anim>
+                                    <p:anim calcmode="lin" valueType="num">
+                                      <p:cBhvr>
+                                        <p:cTn id="9" dur="1000" fill="hold"/>
+                                        <p:tgtEl>
+                                          <p:spTgt spid="2"/>
+                                        </p:tgtEl>
+                                        <p:attrNameLst>
+                                          <p:attrName>ppt_y</p:attrName>
+                                        </p:attrNameLst>
+                                      </p:cBhvr>
+                                      <p:tavLst>
+                                        <p:tav tm="0">
+                                          <p:val>
+                                            <p:strVal val="#ppt_y-.1"/>
+                                          </p:val>
+                                        </p:tav>
+                                        <p:tav tm="100000">
+                                          <p:val>
+                                            <p:strVal val="#ppt_y"/>
+                                          </p:val>
+                                        </p:tav>
+                                      </p:tavLst>
+                                    </p:anim>
+                                  </p:childTnLst>
+                                </p:cTn>
+                              </p:par>
+                            </p:childTnLst>
+                          </p:cTn>
+                        </p:par>
+                        <p:par>
+                          <p:cTn id="10" fill="hold">
+                            <p:stCondLst>
+                              <p:cond delay="1000"/>
+                            </p:stCondLst>
+                            <p:childTnLst>
+                              <p:par>
+                                <p:cTn id="11" presetID="22" presetClass="entr" presetSubtype="8" fill="hold" grpId="0" nodeType="afterEffect">
+                                  <p:stCondLst>
+                                    <p:cond delay="0"/>
+                                  </p:stCondLst>
+                                  <p:childTnLst>
+                                    <p:set>
+                                      <p:cBhvr>
+                                        <p:cTn id="12" dur="1" fill="hold">
+                                          <p:stCondLst>
+                                            <p:cond delay="0"/>
+                                          </p:stCondLst>
+                                        </p:cTn>
+                                        <p:tgtEl>
+                                          <p:spTgt spid="3"/>
+                                        </p:tgtEl>
+                                        <p:attrNameLst>
+                                          <p:attrName>style.visibility</p:attrName>
+                                        </p:attrNameLst>
+                                      </p:cBhvr>
+                                      <p:to>
+                                        <p:strVal val="visible"/>
+                                      </p:to>
+                                    </p:set>
+                                    <p:animEffect transition="in" filter="wipe(left)">
+                                      <p:cBhvr>
+                                        <p:cTn id="13" dur="500"/>
+                                        <p:tgtEl>
+                                          <p:spTgt spid="3"/>
+                                        </p:tgtEl>
+                                      </p:cBhvr>
+                                    </p:animEffect>
+                                  </p:childTnLst>
+                                </p:cTn>
+                              </p:par>
+                            </p:childTnLst>
+                          </p:cTn>
+                        </p:par>
+                        <p:par>
+                          <p:cTn id="14" fill="hold">
+                            <p:stCondLst>
+                              <p:cond delay="1500"/>
+                            </p:stCondLst>
+                            <p:childTnLst>
+                              <p:par>
+                                <p:cTn id="15" presetID="53" presetClass="entr" presetSubtype="16" fill="hold" grpId="0" nodeType="afterEffect">
+                                  <p:stCondLst>
+                                    <p:cond delay="0"/>
+                                  </p:stCondLst>
+                                  <p:childTnLst>
+                                    <p:set>
+                                      <p:cBhvr>
+                                        <p:cTn id="16" dur="1" fill="hold">
+                                          <p:stCondLst>
+                                            <p:cond delay="0"/>
+                                          </p:stCondLst>
+                                        </p:cTn>
+                                        <p:tgtEl>
+                                          <p:spTgt spid="4"/>
+                                        </p:tgtEl>
+                                        <p:attrNameLst>
+                                          <p:attrName>style.visibility</p:attrName>
+                                        </p:attrNameLst>
+                                      </p:cBhvr>
+                                      <p:to>
+                                        <p:strVal val="visible"/>
+                                      </p:to>
+                                    </p:set>
+                                    <p:anim calcmode="lin" valueType="num">
+                                      <p:cBhvr>
+                                        <p:cTn id="17" dur="500" fill="hold"/>
+                                        <p:tgtEl>
+                                          <p:spTgt spid="4"/>
+                                        </p:tgtEl>
+                                        <p:attrNameLst>
+                                          <p:attrName>ppt_w</p:attrName>
+                                        </p:attrNameLst>
+                                      </p:cBhvr>
+                                      <p:tavLst>
+                                        <p:tav tm="0">
+                                          <p:val>
+                                            <p:fltVal val="0"/>
+                                          </p:val>
+                                        </p:tav>
+                                        <p:tav tm="100000">
+                                          <p:val>
+                                            <p:strVal val="#ppt_w"/>
+                                          </p:val>
+                                        </p:tav>
+                                      </p:tavLst>
+                                    </p:anim>
+                                    <p:anim calcmode="lin" valueType="num">
+                                      <p:cBhvr>
+                                        <p:cTn id="18" dur="500" fill="hold"/>
+                                        <p:tgtEl>
+                                          <p:spTgt spid="4"/>
+                                        </p:tgtEl>
+                                        <p:attrNameLst>
+                                          <p:attrName>ppt_h</p:attrName>
+                                        </p:attrNameLst>
+                                      </p:cBhvr>
+                                      <p:tavLst>
+                                        <p:tav tm="0">
+                                          <p:val>
+                                            <p:fltVal val="0"/>
+                                          </p:val>
+                                        </p:tav>
+                                        <p:tav tm="100000">
+                                          <p:val>
+                                            <p:strVal val="#ppt_h"/>
+                                          </p:val>
+                                        </p:tav>
+                                      </p:tavLst>
+                                    </p:anim>
+                                    <p:animEffect transition="in" filter="fade">
+                                      <p:cBhvr>
+                                        <p:cTn id="19" dur="500"/>
+                                        <p:tgtEl>
+                                          <p:spTgt spid="4"/>
+                                        </p:tgtEl>
+                                      </p:cBhvr>
+                                    </p:animEffect>
+                                  </p:childTnLst>
+                                </p:cTn>
+                              </p:par>
+                            </p:childTnLst>
+                          </p:cTn>
+                        </p:par>
+                        <p:par>
+                          <p:cTn id="20" fill="hold">
+                            <p:stCondLst>
+                              <p:cond delay="2000"/>
+                            </p:stCondLst>
+                            <p:childTnLst>
+                              <p:par>
+                                <p:cTn id="21" presetID="14" presetClass="entr" presetSubtype="10" fill="hold" grpId="0" nodeType="afterEffect">
+                                  <p:stCondLst>
+                                    <p:cond delay="0"/>
+                                  </p:stCondLst>
+                                  <p:childTnLst>
+                                    <p:set>
+                                      <p:cBhvr>
+                                        <p:cTn id="22" dur="1" fill="hold">
+                                          <p:stCondLst>
+                                            <p:cond delay="0"/>
+                                          </p:stCondLst>
+                                        </p:cTn>
+                                        <p:tgtEl>
+                                          <p:spTgt spid="5"/>
+                                        </p:tgtEl>
+                                        <p:attrNameLst>
+                                          <p:attrName>style.visibility</p:attrName>
+                                        </p:attrNameLst>
+                                      </p:cBhvr>
+                                      <p:to>
+                                        <p:strVal val="visible"/>
+                                      </p:to>
+                                    </p:set>
+                                    <p:animEffect transition="in" filter="randombar(horizontal)">
+                                      <p:cBhvr>
+                                        <p:cTn id="23" dur="500"/>
+                                        <p:tgtEl>
+                                          <p:spTgt spid="5"/>
+                                        </p:tgtEl>
+                                      </p:cBhvr>
+                                    </p:animEffect>
+                                  </p:childTnLst>
+                                </p:cTn>
+                              </p:par>
+                            </p:childTnLst>
+                          </p:cTn>
+                        </p:par>
+                      </p:childTnLst>
+                    </p:cTn>
+                  </p:par>
+                </p:childTnLst>
+              </p:cTn>
+              <p:prevCondLst>
+                <p:cond evt="onPrev" delay="0">
+                  <p:tgtEl>
+                    <p:sldTgt/>
+                  </p:tgtEl>
+                </p:cond>
+              </p:prevCondLst>
+              <p:nextCondLst>
+                <p:cond evt="onNext" delay="0">
+                  <p:tgtEl>
+                    <p:sldTgt/>
+                  </p:tgtEl>
+                </p:cond>
+              </p:nextCondLst>
+            </p:seq>
+          </p:childTnLst>
+        </p:cTn>
+      </p:par>
+    </p:tnLst>
+    <p:bldLst>
+      <p:bldP spid="3" grpId="0" bldLvl="0" animBg="1"/>
+      <p:bldP spid="4" grpId="0"/>
+      <p:bldP spid="5" grpId="0"/>
+    </p:bldLst>
+  </p:timing>
+</p:sld>
+</file>
+
+<file path=ppt/slides/slide5.xml><?xml version="1.0" encoding="utf-8"?>
 <p:sld xmlns:a="http://schemas.openxmlformats.org/drawingml/2006/main" xmlns:r="http://schemas.openxmlformats.org/officeDocument/2006/relationships" xmlns:p="http://schemas.openxmlformats.org/presentationml/2006/main">
   <p:cSld>
     <p:spTree>
@@ -6724,7 +7470,7 @@
 </p:sld>
 </file>
 
-<file path=ppt/slides/slide5.xml><?xml version="1.0" encoding="utf-8"?>
+<file path=ppt/slides/slide6.xml><?xml version="1.0" encoding="utf-8"?>
 <p:sld xmlns:a="http://schemas.openxmlformats.org/drawingml/2006/main" xmlns:r="http://schemas.openxmlformats.org/officeDocument/2006/relationships" xmlns:p="http://schemas.openxmlformats.org/presentationml/2006/main">
   <p:cSld>
     <p:spTree>
@@ -8009,7 +8755,7 @@
 </p:sld>
 </file>
 
-<file path=ppt/slides/slide6.xml><?xml version="1.0" encoding="utf-8"?>
+<file path=ppt/slides/slide7.xml><?xml version="1.0" encoding="utf-8"?>
 <p:sld xmlns:a="http://schemas.openxmlformats.org/drawingml/2006/main" xmlns:r="http://schemas.openxmlformats.org/officeDocument/2006/relationships" xmlns:p="http://schemas.openxmlformats.org/presentationml/2006/main">
   <p:cSld>
     <p:spTree>
@@ -9171,7 +9917,7 @@
 </p:sld>
 </file>
 
-<file path=ppt/slides/slide7.xml><?xml version="1.0" encoding="utf-8"?>
+<file path=ppt/slides/slide8.xml><?xml version="1.0" encoding="utf-8"?>
 <p:sld xmlns:a="http://schemas.openxmlformats.org/drawingml/2006/main" xmlns:r="http://schemas.openxmlformats.org/officeDocument/2006/relationships" xmlns:p="http://schemas.openxmlformats.org/presentationml/2006/main">
   <p:cSld>
     <p:spTree>

--- a/Document library/ppt/zookeeper.pptx
+++ b/Document library/ppt/zookeeper.pptx
@@ -5,38 +5,39 @@
     <p:sldMasterId id="2147483648" r:id="rId1"/>
   </p:sldMasterIdLst>
   <p:notesMasterIdLst>
-    <p:notesMasterId r:id="rId10"/>
+    <p:notesMasterId r:id="rId11"/>
   </p:notesMasterIdLst>
   <p:sldIdLst>
     <p:sldId id="271" r:id="rId2"/>
-    <p:sldId id="279" r:id="rId3"/>
-    <p:sldId id="280" r:id="rId4"/>
-    <p:sldId id="281" r:id="rId5"/>
-    <p:sldId id="258" r:id="rId6"/>
-    <p:sldId id="262" r:id="rId7"/>
-    <p:sldId id="261" r:id="rId8"/>
-    <p:sldId id="278" r:id="rId9"/>
+    <p:sldId id="282" r:id="rId3"/>
+    <p:sldId id="279" r:id="rId4"/>
+    <p:sldId id="280" r:id="rId5"/>
+    <p:sldId id="281" r:id="rId6"/>
+    <p:sldId id="258" r:id="rId7"/>
+    <p:sldId id="262" r:id="rId8"/>
+    <p:sldId id="261" r:id="rId9"/>
+    <p:sldId id="278" r:id="rId10"/>
   </p:sldIdLst>
   <p:sldSz cx="12192000" cy="6858000"/>
   <p:notesSz cx="6858000" cy="9144000"/>
   <p:embeddedFontLst>
     <p:embeddedFont>
       <p:font typeface="汉仪黑荔枝体简" panose="02010600030101010101" charset="-122"/>
-      <p:regular r:id="rId11"/>
+      <p:regular r:id="rId12"/>
     </p:embeddedFont>
     <p:embeddedFont>
       <p:font typeface="迷你简准圆" panose="02010600030101010101" charset="-122"/>
-      <p:regular r:id="rId12"/>
+      <p:regular r:id="rId13"/>
     </p:embeddedFont>
     <p:embeddedFont>
       <p:font typeface="等线" panose="02010600030101010101" pitchFamily="2" charset="-122"/>
-      <p:regular r:id="rId13"/>
-      <p:bold r:id="rId14"/>
+      <p:regular r:id="rId14"/>
+      <p:bold r:id="rId15"/>
     </p:embeddedFont>
     <p:embeddedFont>
       <p:font typeface="微软雅黑" panose="020B0503020204020204" pitchFamily="34" charset="-122"/>
-      <p:regular r:id="rId15"/>
-      <p:bold r:id="rId16"/>
+      <p:regular r:id="rId16"/>
+      <p:bold r:id="rId17"/>
     </p:embeddedFont>
   </p:embeddedFontLst>
   <p:defaultTextStyle>
@@ -224,7 +225,7 @@
           <a:p>
             <a:fld id="{DDBC2F4E-C554-4C3F-AF57-4E4814812BB1}" type="datetimeFigureOut">
               <a:rPr lang="zh-CN" altLang="en-US" smtClean="0"/>
-              <a:t>2021/2/5</a:t>
+              <a:t>2021/2/18</a:t>
             </a:fld>
             <a:endParaRPr lang="zh-CN" altLang="en-US"/>
           </a:p>
@@ -639,7 +640,7 @@
     </p:spTree>
     <p:extLst>
       <p:ext uri="{BB962C8B-B14F-4D97-AF65-F5344CB8AC3E}">
-        <p14:creationId xmlns:p14="http://schemas.microsoft.com/office/powerpoint/2010/main" val="3448522794"/>
+        <p14:creationId xmlns:p14="http://schemas.microsoft.com/office/powerpoint/2010/main" val="3866530075"/>
       </p:ext>
     </p:extLst>
   </p:cSld>
@@ -723,7 +724,7 @@
     </p:spTree>
     <p:extLst>
       <p:ext uri="{BB962C8B-B14F-4D97-AF65-F5344CB8AC3E}">
-        <p14:creationId xmlns:p14="http://schemas.microsoft.com/office/powerpoint/2010/main" val="4292269965"/>
+        <p14:creationId xmlns:p14="http://schemas.microsoft.com/office/powerpoint/2010/main" val="3448522794"/>
       </p:ext>
     </p:extLst>
   </p:cSld>
@@ -807,7 +808,7 @@
     </p:spTree>
     <p:extLst>
       <p:ext uri="{BB962C8B-B14F-4D97-AF65-F5344CB8AC3E}">
-        <p14:creationId xmlns:p14="http://schemas.microsoft.com/office/powerpoint/2010/main" val="2912151170"/>
+        <p14:creationId xmlns:p14="http://schemas.microsoft.com/office/powerpoint/2010/main" val="4292269965"/>
       </p:ext>
     </p:extLst>
   </p:cSld>
@@ -889,6 +890,11 @@
         </p:txBody>
       </p:sp>
     </p:spTree>
+    <p:extLst>
+      <p:ext uri="{BB962C8B-B14F-4D97-AF65-F5344CB8AC3E}">
+        <p14:creationId xmlns:p14="http://schemas.microsoft.com/office/powerpoint/2010/main" val="2912151170"/>
+      </p:ext>
+    </p:extLst>
   </p:cSld>
   <p:clrMapOvr>
     <a:masterClrMapping/>
@@ -1120,6 +1126,85 @@
             <a:fld id="{034586B1-16A4-4A75-8504-E52F78528046}" type="slidenum">
               <a:rPr lang="zh-CN" altLang="en-US" smtClean="0"/>
               <a:t>8</a:t>
+            </a:fld>
+            <a:endParaRPr lang="zh-CN" altLang="en-US"/>
+          </a:p>
+        </p:txBody>
+      </p:sp>
+    </p:spTree>
+  </p:cSld>
+  <p:clrMapOvr>
+    <a:masterClrMapping/>
+  </p:clrMapOvr>
+</p:notes>
+</file>
+
+<file path=ppt/notesSlides/notesSlide9.xml><?xml version="1.0" encoding="utf-8"?>
+<p:notes xmlns:a="http://schemas.openxmlformats.org/drawingml/2006/main" xmlns:r="http://schemas.openxmlformats.org/officeDocument/2006/relationships" xmlns:p="http://schemas.openxmlformats.org/presentationml/2006/main">
+  <p:cSld>
+    <p:spTree>
+      <p:nvGrpSpPr>
+        <p:cNvPr id="1" name=""/>
+        <p:cNvGrpSpPr/>
+        <p:nvPr/>
+      </p:nvGrpSpPr>
+      <p:grpSpPr>
+        <a:xfrm>
+          <a:off x="0" y="0"/>
+          <a:ext cx="0" cy="0"/>
+          <a:chOff x="0" y="0"/>
+          <a:chExt cx="0" cy="0"/>
+        </a:xfrm>
+      </p:grpSpPr>
+      <p:sp>
+        <p:nvSpPr>
+          <p:cNvPr id="2" name="幻灯片图像占位符 1"/>
+          <p:cNvSpPr>
+            <a:spLocks noGrp="1" noRot="1" noChangeAspect="1"/>
+          </p:cNvSpPr>
+          <p:nvPr>
+            <p:ph type="sldImg"/>
+          </p:nvPr>
+        </p:nvSpPr>
+        <p:spPr/>
+      </p:sp>
+      <p:sp>
+        <p:nvSpPr>
+          <p:cNvPr id="3" name="备注占位符 2"/>
+          <p:cNvSpPr>
+            <a:spLocks noGrp="1"/>
+          </p:cNvSpPr>
+          <p:nvPr>
+            <p:ph type="body" idx="1"/>
+          </p:nvPr>
+        </p:nvSpPr>
+        <p:spPr/>
+        <p:txBody>
+          <a:bodyPr/>
+          <a:lstStyle/>
+          <a:p>
+            <a:endParaRPr lang="zh-CN" altLang="en-US"/>
+          </a:p>
+        </p:txBody>
+      </p:sp>
+      <p:sp>
+        <p:nvSpPr>
+          <p:cNvPr id="4" name="灯片编号占位符 3"/>
+          <p:cNvSpPr>
+            <a:spLocks noGrp="1"/>
+          </p:cNvSpPr>
+          <p:nvPr>
+            <p:ph type="sldNum" sz="quarter" idx="10"/>
+          </p:nvPr>
+        </p:nvSpPr>
+        <p:spPr/>
+        <p:txBody>
+          <a:bodyPr/>
+          <a:lstStyle/>
+          <a:p>
+            <a:fld id="{034586B1-16A4-4A75-8504-E52F78528046}" type="slidenum">
+              <a:rPr lang="zh-CN" altLang="en-US" smtClean="0"/>
+              <a:t>9</a:t>
             </a:fld>
             <a:endParaRPr lang="zh-CN" altLang="en-US"/>
           </a:p>
@@ -4438,6 +4523,760 @@
         </p:blipFill>
         <p:spPr>
           <a:xfrm rot="20632978">
+            <a:off x="1235090" y="2201852"/>
+            <a:ext cx="719991" cy="2852009"/>
+          </a:xfrm>
+          <a:prstGeom prst="rect">
+            <a:avLst/>
+          </a:prstGeom>
+        </p:spPr>
+      </p:pic>
+      <p:sp>
+        <p:nvSpPr>
+          <p:cNvPr id="3" name="任意多边形 2"/>
+          <p:cNvSpPr/>
+          <p:nvPr/>
+        </p:nvSpPr>
+        <p:spPr>
+          <a:xfrm>
+            <a:off x="2696209" y="4152265"/>
+            <a:ext cx="8003213" cy="270715"/>
+          </a:xfrm>
+          <a:custGeom>
+            <a:avLst/>
+            <a:gdLst>
+              <a:gd name="connsiteX0" fmla="*/ 0 w 5613400"/>
+              <a:gd name="connsiteY0" fmla="*/ 114821 h 140512"/>
+              <a:gd name="connsiteX1" fmla="*/ 660400 w 5613400"/>
+              <a:gd name="connsiteY1" fmla="*/ 521 h 140512"/>
+              <a:gd name="connsiteX2" fmla="*/ 1536700 w 5613400"/>
+              <a:gd name="connsiteY2" fmla="*/ 89421 h 140512"/>
+              <a:gd name="connsiteX3" fmla="*/ 2438400 w 5613400"/>
+              <a:gd name="connsiteY3" fmla="*/ 521 h 140512"/>
+              <a:gd name="connsiteX4" fmla="*/ 3441700 w 5613400"/>
+              <a:gd name="connsiteY4" fmla="*/ 140221 h 140512"/>
+              <a:gd name="connsiteX5" fmla="*/ 4432300 w 5613400"/>
+              <a:gd name="connsiteY5" fmla="*/ 38621 h 140512"/>
+              <a:gd name="connsiteX6" fmla="*/ 4940300 w 5613400"/>
+              <a:gd name="connsiteY6" fmla="*/ 89421 h 140512"/>
+              <a:gd name="connsiteX7" fmla="*/ 5613400 w 5613400"/>
+              <a:gd name="connsiteY7" fmla="*/ 521 h 140512"/>
+            </a:gdLst>
+            <a:ahLst/>
+            <a:cxnLst>
+              <a:cxn ang="0">
+                <a:pos x="connsiteX0" y="connsiteY0"/>
+              </a:cxn>
+              <a:cxn ang="0">
+                <a:pos x="connsiteX1" y="connsiteY1"/>
+              </a:cxn>
+              <a:cxn ang="0">
+                <a:pos x="connsiteX2" y="connsiteY2"/>
+              </a:cxn>
+              <a:cxn ang="0">
+                <a:pos x="connsiteX3" y="connsiteY3"/>
+              </a:cxn>
+              <a:cxn ang="0">
+                <a:pos x="connsiteX4" y="connsiteY4"/>
+              </a:cxn>
+              <a:cxn ang="0">
+                <a:pos x="connsiteX5" y="connsiteY5"/>
+              </a:cxn>
+              <a:cxn ang="0">
+                <a:pos x="connsiteX6" y="connsiteY6"/>
+              </a:cxn>
+              <a:cxn ang="0">
+                <a:pos x="connsiteX7" y="connsiteY7"/>
+              </a:cxn>
+            </a:cxnLst>
+            <a:rect l="l" t="t" r="r" b="b"/>
+            <a:pathLst>
+              <a:path w="5613400" h="140512">
+                <a:moveTo>
+                  <a:pt x="0" y="114821"/>
+                </a:moveTo>
+                <a:cubicBezTo>
+                  <a:pt x="202141" y="59787"/>
+                  <a:pt x="404283" y="4754"/>
+                  <a:pt x="660400" y="521"/>
+                </a:cubicBezTo>
+                <a:cubicBezTo>
+                  <a:pt x="916517" y="-3712"/>
+                  <a:pt x="1240367" y="89421"/>
+                  <a:pt x="1536700" y="89421"/>
+                </a:cubicBezTo>
+                <a:cubicBezTo>
+                  <a:pt x="1833033" y="89421"/>
+                  <a:pt x="2120900" y="-7946"/>
+                  <a:pt x="2438400" y="521"/>
+                </a:cubicBezTo>
+                <a:cubicBezTo>
+                  <a:pt x="2755900" y="8988"/>
+                  <a:pt x="3109383" y="133871"/>
+                  <a:pt x="3441700" y="140221"/>
+                </a:cubicBezTo>
+                <a:cubicBezTo>
+                  <a:pt x="3774017" y="146571"/>
+                  <a:pt x="4182534" y="47088"/>
+                  <a:pt x="4432300" y="38621"/>
+                </a:cubicBezTo>
+                <a:cubicBezTo>
+                  <a:pt x="4682066" y="30154"/>
+                  <a:pt x="4743450" y="95771"/>
+                  <a:pt x="4940300" y="89421"/>
+                </a:cubicBezTo>
+                <a:cubicBezTo>
+                  <a:pt x="5137150" y="83071"/>
+                  <a:pt x="5375275" y="41796"/>
+                  <a:pt x="5613400" y="521"/>
+                </a:cubicBezTo>
+              </a:path>
+            </a:pathLst>
+          </a:custGeom>
+          <a:noFill/>
+          <a:ln w="38100">
+            <a:solidFill>
+              <a:srgbClr val="1B1B1A"/>
+            </a:solidFill>
+            <a:prstDash val="sysDash"/>
+          </a:ln>
+        </p:spPr>
+        <p:style>
+          <a:lnRef idx="2">
+            <a:schemeClr val="accent1">
+              <a:shade val="50000"/>
+            </a:schemeClr>
+          </a:lnRef>
+          <a:fillRef idx="1">
+            <a:schemeClr val="accent1"/>
+          </a:fillRef>
+          <a:effectRef idx="0">
+            <a:schemeClr val="accent1"/>
+          </a:effectRef>
+          <a:fontRef idx="minor">
+            <a:schemeClr val="lt1"/>
+          </a:fontRef>
+        </p:style>
+        <p:txBody>
+          <a:bodyPr rtlCol="0" anchor="ctr"/>
+          <a:lstStyle/>
+          <a:p>
+            <a:pPr algn="ctr"/>
+            <a:endParaRPr lang="zh-CN" altLang="en-US"/>
+          </a:p>
+        </p:txBody>
+      </p:sp>
+      <p:sp>
+        <p:nvSpPr>
+          <p:cNvPr id="4" name="文本框 3"/>
+          <p:cNvSpPr txBox="1"/>
+          <p:nvPr/>
+        </p:nvSpPr>
+        <p:spPr>
+          <a:xfrm>
+            <a:off x="2696209" y="2649220"/>
+            <a:ext cx="8642411" cy="830997"/>
+          </a:xfrm>
+          <a:prstGeom prst="rect">
+            <a:avLst/>
+          </a:prstGeom>
+          <a:noFill/>
+        </p:spPr>
+        <p:txBody>
+          <a:bodyPr wrap="square" rtlCol="0">
+            <a:spAutoFit/>
+          </a:bodyPr>
+          <a:lstStyle/>
+          <a:p>
+            <a:r>
+              <a:rPr lang="en-US" altLang="zh-CN" sz="4800" dirty="0">
+                <a:ln>
+                  <a:solidFill>
+                    <a:srgbClr val="20201E"/>
+                  </a:solidFill>
+                </a:ln>
+                <a:blipFill dpi="0" rotWithShape="1">
+                  <a:blip r:embed="rId4"/>
+                  <a:srcRect/>
+                  <a:stretch>
+                    <a:fillRect/>
+                  </a:stretch>
+                </a:blipFill>
+                <a:latin typeface="汉仪黑荔枝体简" panose="00020600040101010101" pitchFamily="18" charset="-122"/>
+                <a:ea typeface="汉仪黑荔枝体简" panose="00020600040101010101" pitchFamily="18" charset="-122"/>
+              </a:rPr>
+              <a:t>Zookeeper-</a:t>
+            </a:r>
+            <a:r>
+              <a:rPr lang="zh-CN" altLang="en-US" sz="4800" dirty="0">
+                <a:ln>
+                  <a:solidFill>
+                    <a:srgbClr val="20201E"/>
+                  </a:solidFill>
+                </a:ln>
+                <a:blipFill dpi="0" rotWithShape="1">
+                  <a:blip r:embed="rId4"/>
+                  <a:srcRect/>
+                  <a:stretch>
+                    <a:fillRect/>
+                  </a:stretch>
+                </a:blipFill>
+                <a:latin typeface="汉仪黑荔枝体简" panose="00020600040101010101" pitchFamily="18" charset="-122"/>
+                <a:ea typeface="汉仪黑荔枝体简" panose="00020600040101010101" pitchFamily="18" charset="-122"/>
+              </a:rPr>
+              <a:t>进阶篇</a:t>
+            </a:r>
+            <a:r>
+              <a:rPr lang="en-US" altLang="zh-CN" sz="4800" dirty="0">
+                <a:ln>
+                  <a:solidFill>
+                    <a:srgbClr val="20201E"/>
+                  </a:solidFill>
+                </a:ln>
+                <a:blipFill dpi="0" rotWithShape="1">
+                  <a:blip r:embed="rId4"/>
+                  <a:srcRect/>
+                  <a:stretch>
+                    <a:fillRect/>
+                  </a:stretch>
+                </a:blipFill>
+                <a:latin typeface="汉仪黑荔枝体简" panose="00020600040101010101" pitchFamily="18" charset="-122"/>
+                <a:ea typeface="汉仪黑荔枝体简" panose="00020600040101010101" pitchFamily="18" charset="-122"/>
+              </a:rPr>
+              <a:t>-Curator</a:t>
+            </a:r>
+            <a:endParaRPr lang="zh-CN" altLang="en-US" sz="4800" dirty="0">
+              <a:ln>
+                <a:solidFill>
+                  <a:srgbClr val="20201E"/>
+                </a:solidFill>
+              </a:ln>
+              <a:blipFill dpi="0" rotWithShape="1">
+                <a:blip r:embed="rId4"/>
+                <a:srcRect/>
+                <a:stretch>
+                  <a:fillRect/>
+                </a:stretch>
+              </a:blipFill>
+              <a:latin typeface="汉仪黑荔枝体简" panose="00020600040101010101" pitchFamily="18" charset="-122"/>
+              <a:ea typeface="汉仪黑荔枝体简" panose="00020600040101010101" pitchFamily="18" charset="-122"/>
+            </a:endParaRPr>
+          </a:p>
+        </p:txBody>
+      </p:sp>
+      <p:sp>
+        <p:nvSpPr>
+          <p:cNvPr id="5" name="文本框 4"/>
+          <p:cNvSpPr txBox="1"/>
+          <p:nvPr/>
+        </p:nvSpPr>
+        <p:spPr>
+          <a:xfrm>
+            <a:off x="2696209" y="3492500"/>
+            <a:ext cx="7890091" cy="270715"/>
+          </a:xfrm>
+          <a:prstGeom prst="rect">
+            <a:avLst/>
+          </a:prstGeom>
+          <a:noFill/>
+        </p:spPr>
+        <p:txBody>
+          <a:bodyPr wrap="square" rtlCol="0">
+            <a:spAutoFit/>
+            <a:scene3d>
+              <a:camera prst="orthographicFront"/>
+              <a:lightRig rig="threePt" dir="t"/>
+            </a:scene3d>
+            <a:sp3d contourW="12700"/>
+          </a:bodyPr>
+          <a:lstStyle/>
+          <a:p>
+            <a:pPr>
+              <a:lnSpc>
+                <a:spcPct val="114000"/>
+              </a:lnSpc>
+            </a:pPr>
+            <a:r>
+              <a:rPr lang="en-US" altLang="zh-CN" sz="1100" dirty="0">
+                <a:solidFill>
+                  <a:schemeClr val="bg1">
+                    <a:lumMod val="50000"/>
+                  </a:schemeClr>
+                </a:solidFill>
+                <a:latin typeface="+mj-ea"/>
+                <a:ea typeface="+mj-ea"/>
+              </a:rPr>
+              <a:t>                              Curator</a:t>
+            </a:r>
+            <a:r>
+              <a:rPr lang="zh-CN" altLang="en-US" sz="1100" dirty="0">
+                <a:solidFill>
+                  <a:schemeClr val="bg1">
+                    <a:lumMod val="50000"/>
+                  </a:schemeClr>
+                </a:solidFill>
+                <a:latin typeface="+mj-ea"/>
+                <a:ea typeface="+mj-ea"/>
+              </a:rPr>
+              <a:t>是</a:t>
+            </a:r>
+            <a:r>
+              <a:rPr lang="en-US" altLang="zh-CN" sz="1100" dirty="0">
+                <a:solidFill>
+                  <a:schemeClr val="bg1">
+                    <a:lumMod val="50000"/>
+                  </a:schemeClr>
+                </a:solidFill>
+                <a:latin typeface="+mj-ea"/>
+                <a:ea typeface="+mj-ea"/>
+              </a:rPr>
+              <a:t>`Netflix`</a:t>
+            </a:r>
+            <a:r>
+              <a:rPr lang="zh-CN" altLang="en-US" sz="1100" dirty="0">
+                <a:solidFill>
+                  <a:schemeClr val="bg1">
+                    <a:lumMod val="50000"/>
+                  </a:schemeClr>
+                </a:solidFill>
+                <a:latin typeface="+mj-ea"/>
+                <a:ea typeface="+mj-ea"/>
+              </a:rPr>
+              <a:t>开源的一套</a:t>
+            </a:r>
+            <a:r>
+              <a:rPr lang="en-US" altLang="zh-CN" sz="1100" dirty="0">
+                <a:solidFill>
+                  <a:schemeClr val="bg1">
+                    <a:lumMod val="50000"/>
+                  </a:schemeClr>
+                </a:solidFill>
+                <a:latin typeface="+mj-ea"/>
+                <a:ea typeface="+mj-ea"/>
+              </a:rPr>
+              <a:t>zookeeper</a:t>
+            </a:r>
+            <a:r>
+              <a:rPr lang="zh-CN" altLang="en-US" sz="1100" dirty="0">
+                <a:solidFill>
+                  <a:schemeClr val="bg1">
+                    <a:lumMod val="50000"/>
+                  </a:schemeClr>
+                </a:solidFill>
+                <a:latin typeface="+mj-ea"/>
+                <a:ea typeface="+mj-ea"/>
+              </a:rPr>
+              <a:t>客户端框架。解决原生</a:t>
+            </a:r>
+            <a:r>
+              <a:rPr lang="en-US" altLang="zh-CN" sz="1100" dirty="0" err="1">
+                <a:solidFill>
+                  <a:schemeClr val="bg1">
+                    <a:lumMod val="50000"/>
+                  </a:schemeClr>
+                </a:solidFill>
+                <a:latin typeface="+mj-ea"/>
+                <a:ea typeface="+mj-ea"/>
+              </a:rPr>
+              <a:t>Api</a:t>
+            </a:r>
+            <a:r>
+              <a:rPr lang="zh-CN" altLang="en-US" sz="1100" dirty="0">
+                <a:solidFill>
+                  <a:schemeClr val="bg1">
+                    <a:lumMod val="50000"/>
+                  </a:schemeClr>
+                </a:solidFill>
+                <a:latin typeface="+mj-ea"/>
+                <a:ea typeface="+mj-ea"/>
+              </a:rPr>
+              <a:t>的好多问题。</a:t>
+            </a:r>
+            <a:endParaRPr lang="en-US" altLang="zh-CN" sz="1100" dirty="0">
+              <a:solidFill>
+                <a:schemeClr val="bg1">
+                  <a:lumMod val="50000"/>
+                </a:schemeClr>
+              </a:solidFill>
+              <a:latin typeface="+mj-ea"/>
+              <a:ea typeface="+mj-ea"/>
+            </a:endParaRPr>
+          </a:p>
+        </p:txBody>
+      </p:sp>
+    </p:spTree>
+    <p:extLst>
+      <p:ext uri="{BB962C8B-B14F-4D97-AF65-F5344CB8AC3E}">
+        <p14:creationId xmlns:p14="http://schemas.microsoft.com/office/powerpoint/2010/main" val="688357579"/>
+      </p:ext>
+    </p:extLst>
+  </p:cSld>
+  <p:clrMapOvr>
+    <a:masterClrMapping/>
+  </p:clrMapOvr>
+  <mc:AlternateContent xmlns:mc="http://schemas.openxmlformats.org/markup-compatibility/2006" xmlns:p14="http://schemas.microsoft.com/office/powerpoint/2010/main">
+    <mc:Choice Requires="p14">
+      <p:transition spd="slow" p14:dur="1500" advTm="0">
+        <p:random/>
+      </p:transition>
+    </mc:Choice>
+    <mc:Fallback xmlns="">
+      <p:transition spd="slow" advTm="0">
+        <p:random/>
+      </p:transition>
+    </mc:Fallback>
+  </mc:AlternateContent>
+  <p:timing>
+    <p:tnLst>
+      <p:par>
+        <p:cTn id="1" dur="indefinite" restart="never" nodeType="tmRoot">
+          <p:childTnLst>
+            <p:seq concurrent="1" nextAc="seek">
+              <p:cTn id="2" dur="indefinite" nodeType="mainSeq">
+                <p:childTnLst>
+                  <p:par>
+                    <p:cTn id="3" fill="hold">
+                      <p:stCondLst>
+                        <p:cond delay="indefinite"/>
+                        <p:cond evt="onBegin" delay="0">
+                          <p:tn val="2"/>
+                        </p:cond>
+                      </p:stCondLst>
+                      <p:childTnLst>
+                        <p:par>
+                          <p:cTn id="4" fill="hold">
+                            <p:stCondLst>
+                              <p:cond delay="0"/>
+                            </p:stCondLst>
+                            <p:childTnLst>
+                              <p:par>
+                                <p:cTn id="5" presetID="47" presetClass="entr" presetSubtype="0" fill="hold" nodeType="afterEffect">
+                                  <p:stCondLst>
+                                    <p:cond delay="0"/>
+                                  </p:stCondLst>
+                                  <p:childTnLst>
+                                    <p:set>
+                                      <p:cBhvr>
+                                        <p:cTn id="6" dur="1" fill="hold">
+                                          <p:stCondLst>
+                                            <p:cond delay="0"/>
+                                          </p:stCondLst>
+                                        </p:cTn>
+                                        <p:tgtEl>
+                                          <p:spTgt spid="2"/>
+                                        </p:tgtEl>
+                                        <p:attrNameLst>
+                                          <p:attrName>style.visibility</p:attrName>
+                                        </p:attrNameLst>
+                                      </p:cBhvr>
+                                      <p:to>
+                                        <p:strVal val="visible"/>
+                                      </p:to>
+                                    </p:set>
+                                    <p:animEffect transition="in" filter="fade">
+                                      <p:cBhvr>
+                                        <p:cTn id="7" dur="1000"/>
+                                        <p:tgtEl>
+                                          <p:spTgt spid="2"/>
+                                        </p:tgtEl>
+                                      </p:cBhvr>
+                                    </p:animEffect>
+                                    <p:anim calcmode="lin" valueType="num">
+                                      <p:cBhvr>
+                                        <p:cTn id="8" dur="1000" fill="hold"/>
+                                        <p:tgtEl>
+                                          <p:spTgt spid="2"/>
+                                        </p:tgtEl>
+                                        <p:attrNameLst>
+                                          <p:attrName>ppt_x</p:attrName>
+                                        </p:attrNameLst>
+                                      </p:cBhvr>
+                                      <p:tavLst>
+                                        <p:tav tm="0">
+                                          <p:val>
+                                            <p:strVal val="#ppt_x"/>
+                                          </p:val>
+                                        </p:tav>
+                                        <p:tav tm="100000">
+                                          <p:val>
+                                            <p:strVal val="#ppt_x"/>
+                                          </p:val>
+                                        </p:tav>
+                                      </p:tavLst>
+                                    </p:anim>
+                                    <p:anim calcmode="lin" valueType="num">
+                                      <p:cBhvr>
+                                        <p:cTn id="9" dur="1000" fill="hold"/>
+                                        <p:tgtEl>
+                                          <p:spTgt spid="2"/>
+                                        </p:tgtEl>
+                                        <p:attrNameLst>
+                                          <p:attrName>ppt_y</p:attrName>
+                                        </p:attrNameLst>
+                                      </p:cBhvr>
+                                      <p:tavLst>
+                                        <p:tav tm="0">
+                                          <p:val>
+                                            <p:strVal val="#ppt_y-.1"/>
+                                          </p:val>
+                                        </p:tav>
+                                        <p:tav tm="100000">
+                                          <p:val>
+                                            <p:strVal val="#ppt_y"/>
+                                          </p:val>
+                                        </p:tav>
+                                      </p:tavLst>
+                                    </p:anim>
+                                  </p:childTnLst>
+                                </p:cTn>
+                              </p:par>
+                            </p:childTnLst>
+                          </p:cTn>
+                        </p:par>
+                        <p:par>
+                          <p:cTn id="10" fill="hold">
+                            <p:stCondLst>
+                              <p:cond delay="1000"/>
+                            </p:stCondLst>
+                            <p:childTnLst>
+                              <p:par>
+                                <p:cTn id="11" presetID="22" presetClass="entr" presetSubtype="8" fill="hold" grpId="0" nodeType="afterEffect">
+                                  <p:stCondLst>
+                                    <p:cond delay="0"/>
+                                  </p:stCondLst>
+                                  <p:childTnLst>
+                                    <p:set>
+                                      <p:cBhvr>
+                                        <p:cTn id="12" dur="1" fill="hold">
+                                          <p:stCondLst>
+                                            <p:cond delay="0"/>
+                                          </p:stCondLst>
+                                        </p:cTn>
+                                        <p:tgtEl>
+                                          <p:spTgt spid="3"/>
+                                        </p:tgtEl>
+                                        <p:attrNameLst>
+                                          <p:attrName>style.visibility</p:attrName>
+                                        </p:attrNameLst>
+                                      </p:cBhvr>
+                                      <p:to>
+                                        <p:strVal val="visible"/>
+                                      </p:to>
+                                    </p:set>
+                                    <p:animEffect transition="in" filter="wipe(left)">
+                                      <p:cBhvr>
+                                        <p:cTn id="13" dur="500"/>
+                                        <p:tgtEl>
+                                          <p:spTgt spid="3"/>
+                                        </p:tgtEl>
+                                      </p:cBhvr>
+                                    </p:animEffect>
+                                  </p:childTnLst>
+                                </p:cTn>
+                              </p:par>
+                            </p:childTnLst>
+                          </p:cTn>
+                        </p:par>
+                        <p:par>
+                          <p:cTn id="14" fill="hold">
+                            <p:stCondLst>
+                              <p:cond delay="1500"/>
+                            </p:stCondLst>
+                            <p:childTnLst>
+                              <p:par>
+                                <p:cTn id="15" presetID="53" presetClass="entr" presetSubtype="16" fill="hold" grpId="0" nodeType="afterEffect">
+                                  <p:stCondLst>
+                                    <p:cond delay="0"/>
+                                  </p:stCondLst>
+                                  <p:childTnLst>
+                                    <p:set>
+                                      <p:cBhvr>
+                                        <p:cTn id="16" dur="1" fill="hold">
+                                          <p:stCondLst>
+                                            <p:cond delay="0"/>
+                                          </p:stCondLst>
+                                        </p:cTn>
+                                        <p:tgtEl>
+                                          <p:spTgt spid="4"/>
+                                        </p:tgtEl>
+                                        <p:attrNameLst>
+                                          <p:attrName>style.visibility</p:attrName>
+                                        </p:attrNameLst>
+                                      </p:cBhvr>
+                                      <p:to>
+                                        <p:strVal val="visible"/>
+                                      </p:to>
+                                    </p:set>
+                                    <p:anim calcmode="lin" valueType="num">
+                                      <p:cBhvr>
+                                        <p:cTn id="17" dur="500" fill="hold"/>
+                                        <p:tgtEl>
+                                          <p:spTgt spid="4"/>
+                                        </p:tgtEl>
+                                        <p:attrNameLst>
+                                          <p:attrName>ppt_w</p:attrName>
+                                        </p:attrNameLst>
+                                      </p:cBhvr>
+                                      <p:tavLst>
+                                        <p:tav tm="0">
+                                          <p:val>
+                                            <p:fltVal val="0"/>
+                                          </p:val>
+                                        </p:tav>
+                                        <p:tav tm="100000">
+                                          <p:val>
+                                            <p:strVal val="#ppt_w"/>
+                                          </p:val>
+                                        </p:tav>
+                                      </p:tavLst>
+                                    </p:anim>
+                                    <p:anim calcmode="lin" valueType="num">
+                                      <p:cBhvr>
+                                        <p:cTn id="18" dur="500" fill="hold"/>
+                                        <p:tgtEl>
+                                          <p:spTgt spid="4"/>
+                                        </p:tgtEl>
+                                        <p:attrNameLst>
+                                          <p:attrName>ppt_h</p:attrName>
+                                        </p:attrNameLst>
+                                      </p:cBhvr>
+                                      <p:tavLst>
+                                        <p:tav tm="0">
+                                          <p:val>
+                                            <p:fltVal val="0"/>
+                                          </p:val>
+                                        </p:tav>
+                                        <p:tav tm="100000">
+                                          <p:val>
+                                            <p:strVal val="#ppt_h"/>
+                                          </p:val>
+                                        </p:tav>
+                                      </p:tavLst>
+                                    </p:anim>
+                                    <p:animEffect transition="in" filter="fade">
+                                      <p:cBhvr>
+                                        <p:cTn id="19" dur="500"/>
+                                        <p:tgtEl>
+                                          <p:spTgt spid="4"/>
+                                        </p:tgtEl>
+                                      </p:cBhvr>
+                                    </p:animEffect>
+                                  </p:childTnLst>
+                                </p:cTn>
+                              </p:par>
+                            </p:childTnLst>
+                          </p:cTn>
+                        </p:par>
+                        <p:par>
+                          <p:cTn id="20" fill="hold">
+                            <p:stCondLst>
+                              <p:cond delay="2000"/>
+                            </p:stCondLst>
+                            <p:childTnLst>
+                              <p:par>
+                                <p:cTn id="21" presetID="14" presetClass="entr" presetSubtype="10" fill="hold" grpId="0" nodeType="afterEffect">
+                                  <p:stCondLst>
+                                    <p:cond delay="0"/>
+                                  </p:stCondLst>
+                                  <p:childTnLst>
+                                    <p:set>
+                                      <p:cBhvr>
+                                        <p:cTn id="22" dur="1" fill="hold">
+                                          <p:stCondLst>
+                                            <p:cond delay="0"/>
+                                          </p:stCondLst>
+                                        </p:cTn>
+                                        <p:tgtEl>
+                                          <p:spTgt spid="5"/>
+                                        </p:tgtEl>
+                                        <p:attrNameLst>
+                                          <p:attrName>style.visibility</p:attrName>
+                                        </p:attrNameLst>
+                                      </p:cBhvr>
+                                      <p:to>
+                                        <p:strVal val="visible"/>
+                                      </p:to>
+                                    </p:set>
+                                    <p:animEffect transition="in" filter="randombar(horizontal)">
+                                      <p:cBhvr>
+                                        <p:cTn id="23" dur="500"/>
+                                        <p:tgtEl>
+                                          <p:spTgt spid="5"/>
+                                        </p:tgtEl>
+                                      </p:cBhvr>
+                                    </p:animEffect>
+                                  </p:childTnLst>
+                                </p:cTn>
+                              </p:par>
+                            </p:childTnLst>
+                          </p:cTn>
+                        </p:par>
+                      </p:childTnLst>
+                    </p:cTn>
+                  </p:par>
+                </p:childTnLst>
+              </p:cTn>
+              <p:prevCondLst>
+                <p:cond evt="onPrev" delay="0">
+                  <p:tgtEl>
+                    <p:sldTgt/>
+                  </p:tgtEl>
+                </p:cond>
+              </p:prevCondLst>
+              <p:nextCondLst>
+                <p:cond evt="onNext" delay="0">
+                  <p:tgtEl>
+                    <p:sldTgt/>
+                  </p:tgtEl>
+                </p:cond>
+              </p:nextCondLst>
+            </p:seq>
+          </p:childTnLst>
+        </p:cTn>
+      </p:par>
+    </p:tnLst>
+    <p:bldLst>
+      <p:bldP spid="3" grpId="0" bldLvl="0" animBg="1"/>
+      <p:bldP spid="4" grpId="0"/>
+      <p:bldP spid="5" grpId="0"/>
+    </p:bldLst>
+  </p:timing>
+</p:sld>
+</file>
+
+<file path=ppt/slides/slide3.xml><?xml version="1.0" encoding="utf-8"?>
+<p:sld xmlns:a="http://schemas.openxmlformats.org/drawingml/2006/main" xmlns:r="http://schemas.openxmlformats.org/officeDocument/2006/relationships" xmlns:p="http://schemas.openxmlformats.org/presentationml/2006/main">
+  <p:cSld>
+    <p:spTree>
+      <p:nvGrpSpPr>
+        <p:cNvPr id="1" name=""/>
+        <p:cNvGrpSpPr/>
+        <p:nvPr/>
+      </p:nvGrpSpPr>
+      <p:grpSpPr>
+        <a:xfrm>
+          <a:off x="0" y="0"/>
+          <a:ext cx="0" cy="0"/>
+          <a:chOff x="0" y="0"/>
+          <a:chExt cx="0" cy="0"/>
+        </a:xfrm>
+      </p:grpSpPr>
+      <p:pic>
+        <p:nvPicPr>
+          <p:cNvPr id="2" name="图片 1"/>
+          <p:cNvPicPr>
+            <a:picLocks noChangeAspect="1"/>
+          </p:cNvPicPr>
+          <p:nvPr/>
+        </p:nvPicPr>
+        <p:blipFill>
+          <a:blip r:embed="rId3"/>
+          <a:stretch>
+            <a:fillRect/>
+          </a:stretch>
+        </p:blipFill>
+        <p:spPr>
+          <a:xfrm rot="20632978">
             <a:off x="1197313" y="1895217"/>
             <a:ext cx="719991" cy="2579843"/>
           </a:xfrm>
@@ -5069,7 +5908,7 @@
 </p:sld>
 </file>
 
-<file path=ppt/slides/slide3.xml><?xml version="1.0" encoding="utf-8"?>
+<file path=ppt/slides/slide4.xml><?xml version="1.0" encoding="utf-8"?>
 <p:sld xmlns:a="http://schemas.openxmlformats.org/drawingml/2006/main" xmlns:r="http://schemas.openxmlformats.org/officeDocument/2006/relationships" xmlns:p="http://schemas.openxmlformats.org/presentationml/2006/main">
   <p:cSld>
     <p:spTree>
@@ -5768,7 +6607,7 @@
 </p:sld>
 </file>
 
-<file path=ppt/slides/slide4.xml><?xml version="1.0" encoding="utf-8"?>
+<file path=ppt/slides/slide5.xml><?xml version="1.0" encoding="utf-8"?>
 <p:sld xmlns:a="http://schemas.openxmlformats.org/drawingml/2006/main" xmlns:r="http://schemas.openxmlformats.org/officeDocument/2006/relationships" xmlns:p="http://schemas.openxmlformats.org/presentationml/2006/main">
   <p:cSld>
     <p:spTree>
@@ -6099,13 +6938,13 @@
   <p:clrMapOvr>
     <a:masterClrMapping/>
   </p:clrMapOvr>
-  <mc:AlternateContent xmlns:mc="http://schemas.openxmlformats.org/markup-compatibility/2006">
-    <mc:Choice xmlns:p14="http://schemas.microsoft.com/office/powerpoint/2010/main" Requires="p14">
+  <mc:AlternateContent xmlns:mc="http://schemas.openxmlformats.org/markup-compatibility/2006" xmlns:p14="http://schemas.microsoft.com/office/powerpoint/2010/main">
+    <mc:Choice Requires="p14">
       <p:transition spd="slow" p14:dur="1500" advTm="0">
         <p:random/>
       </p:transition>
     </mc:Choice>
-    <mc:Fallback>
+    <mc:Fallback xmlns="">
       <p:transition spd="slow" advTm="0">
         <p:random/>
       </p:transition>
@@ -6429,7 +7268,7 @@
 </p:sld>
 </file>
 
-<file path=ppt/slides/slide5.xml><?xml version="1.0" encoding="utf-8"?>
+<file path=ppt/slides/slide6.xml><?xml version="1.0" encoding="utf-8"?>
 <p:sld xmlns:a="http://schemas.openxmlformats.org/drawingml/2006/main" xmlns:r="http://schemas.openxmlformats.org/officeDocument/2006/relationships" xmlns:p="http://schemas.openxmlformats.org/presentationml/2006/main">
   <p:cSld>
     <p:spTree>
@@ -7470,7 +8309,7 @@
 </p:sld>
 </file>
 
-<file path=ppt/slides/slide6.xml><?xml version="1.0" encoding="utf-8"?>
+<file path=ppt/slides/slide7.xml><?xml version="1.0" encoding="utf-8"?>
 <p:sld xmlns:a="http://schemas.openxmlformats.org/drawingml/2006/main" xmlns:r="http://schemas.openxmlformats.org/officeDocument/2006/relationships" xmlns:p="http://schemas.openxmlformats.org/presentationml/2006/main">
   <p:cSld>
     <p:spTree>
@@ -8755,7 +9594,7 @@
 </p:sld>
 </file>
 
-<file path=ppt/slides/slide7.xml><?xml version="1.0" encoding="utf-8"?>
+<file path=ppt/slides/slide8.xml><?xml version="1.0" encoding="utf-8"?>
 <p:sld xmlns:a="http://schemas.openxmlformats.org/drawingml/2006/main" xmlns:r="http://schemas.openxmlformats.org/officeDocument/2006/relationships" xmlns:p="http://schemas.openxmlformats.org/presentationml/2006/main">
   <p:cSld>
     <p:spTree>
@@ -9917,7 +10756,7 @@
 </p:sld>
 </file>
 
-<file path=ppt/slides/slide8.xml><?xml version="1.0" encoding="utf-8"?>
+<file path=ppt/slides/slide9.xml><?xml version="1.0" encoding="utf-8"?>
 <p:sld xmlns:a="http://schemas.openxmlformats.org/drawingml/2006/main" xmlns:r="http://schemas.openxmlformats.org/officeDocument/2006/relationships" xmlns:p="http://schemas.openxmlformats.org/presentationml/2006/main">
   <p:cSld>
     <p:spTree>

--- a/Document library/ppt/zookeeper.pptx
+++ b/Document library/ppt/zookeeper.pptx
@@ -226,7 +226,7 @@
           <a:p>
             <a:fld id="{DDBC2F4E-C554-4C3F-AF57-4E4814812BB1}" type="datetimeFigureOut">
               <a:rPr lang="zh-CN" altLang="en-US" smtClean="0"/>
-              <a:t>2021/3/5</a:t>
+              <a:t>2021/3/19</a:t>
             </a:fld>
             <a:endParaRPr lang="zh-CN" altLang="en-US"/>
           </a:p>
@@ -11978,9 +11978,9 @@
         <p:grpSpPr>
           <a:xfrm>
             <a:off x="1371597" y="4173607"/>
-            <a:ext cx="3124204" cy="1461138"/>
+            <a:ext cx="3124204" cy="1141692"/>
             <a:chOff x="1222214" y="3195403"/>
-            <a:chExt cx="3124204" cy="1461138"/>
+            <a:chExt cx="3124204" cy="1141692"/>
           </a:xfrm>
         </p:grpSpPr>
         <p:sp>
@@ -11992,7 +11992,7 @@
           <p:spPr>
             <a:xfrm>
               <a:off x="1222214" y="3677812"/>
-              <a:ext cx="3124204" cy="978729"/>
+              <a:ext cx="3124204" cy="659283"/>
             </a:xfrm>
             <a:prstGeom prst="rect">
               <a:avLst/>
@@ -12015,7 +12015,7 @@
                 </a:lnSpc>
               </a:pPr>
               <a:r>
-                <a:rPr lang="zh-CN" altLang="en-US" sz="1600" dirty="0">
+                <a:rPr lang="zh-CN" altLang="en-US" sz="1600">
                   <a:solidFill>
                     <a:schemeClr val="tx1">
                       <a:lumMod val="50000"/>
@@ -12025,8 +12025,18 @@
                   <a:latin typeface="迷你简准圆" panose="03000509000000000000" pitchFamily="65" charset="-122"/>
                   <a:ea typeface="迷你简准圆" panose="03000509000000000000" pitchFamily="65" charset="-122"/>
                 </a:rPr>
-                <a:t>用户可以在投影仪或者计算机上进行演示也可以将演示文稿打印出来制作成胶片以便应用</a:t>
+                <a:t>简单介绍集群中角色和集群中为什么部署奇数个节点</a:t>
               </a:r>
+              <a:endParaRPr lang="en-US" altLang="zh-CN" sz="1600">
+                <a:solidFill>
+                  <a:schemeClr val="tx1">
+                    <a:lumMod val="50000"/>
+                    <a:lumOff val="50000"/>
+                  </a:schemeClr>
+                </a:solidFill>
+                <a:latin typeface="迷你简准圆" panose="03000509000000000000" pitchFamily="65" charset="-122"/>
+                <a:ea typeface="迷你简准圆" panose="03000509000000000000" pitchFamily="65" charset="-122"/>
+              </a:endParaRPr>
             </a:p>
           </p:txBody>
         </p:sp>
@@ -12062,7 +12072,7 @@
                 </a:lnSpc>
               </a:pPr>
               <a:r>
-                <a:rPr lang="zh-CN" altLang="en-US" sz="2400" b="1" dirty="0">
+                <a:rPr lang="zh-CN" altLang="en-US" sz="2400" b="1">
                   <a:solidFill>
                     <a:schemeClr val="tx1">
                       <a:lumMod val="65000"/>
@@ -12072,8 +12082,18 @@
                   <a:latin typeface="迷你简准圆" panose="03000509000000000000" pitchFamily="65" charset="-122"/>
                   <a:ea typeface="迷你简准圆" panose="03000509000000000000" pitchFamily="65" charset="-122"/>
                 </a:rPr>
-                <a:t>标题文字添加</a:t>
+                <a:t>概述</a:t>
               </a:r>
+              <a:endParaRPr lang="zh-CN" altLang="en-US" sz="2400" b="1" dirty="0">
+                <a:solidFill>
+                  <a:schemeClr val="tx1">
+                    <a:lumMod val="65000"/>
+                    <a:lumOff val="35000"/>
+                  </a:schemeClr>
+                </a:solidFill>
+                <a:latin typeface="迷你简准圆" panose="03000509000000000000" pitchFamily="65" charset="-122"/>
+                <a:ea typeface="迷你简准圆" panose="03000509000000000000" pitchFamily="65" charset="-122"/>
+              </a:endParaRPr>
             </a:p>
           </p:txBody>
         </p:sp>
@@ -12087,9 +12107,9 @@
         <p:grpSpPr>
           <a:xfrm>
             <a:off x="4533898" y="4173607"/>
-            <a:ext cx="3124204" cy="1461138"/>
+            <a:ext cx="3124204" cy="1441005"/>
             <a:chOff x="1222214" y="3195403"/>
-            <a:chExt cx="3124204" cy="1461138"/>
+            <a:chExt cx="3124204" cy="1441005"/>
           </a:xfrm>
         </p:grpSpPr>
         <p:sp>
@@ -12101,7 +12121,7 @@
           <p:spPr>
             <a:xfrm>
               <a:off x="1222214" y="3677812"/>
-              <a:ext cx="3124204" cy="978729"/>
+              <a:ext cx="3124204" cy="958596"/>
             </a:xfrm>
             <a:prstGeom prst="rect">
               <a:avLst/>
@@ -12124,7 +12144,7 @@
                 </a:lnSpc>
               </a:pPr>
               <a:r>
-                <a:rPr lang="zh-CN" altLang="en-US" sz="1600" dirty="0">
+                <a:rPr lang="zh-CN" altLang="en-US" sz="1600">
                   <a:solidFill>
                     <a:schemeClr val="tx1">
                       <a:lumMod val="50000"/>
@@ -12134,8 +12154,57 @@
                   <a:latin typeface="迷你简准圆" panose="03000509000000000000" pitchFamily="65" charset="-122"/>
                   <a:ea typeface="迷你简准圆" panose="03000509000000000000" pitchFamily="65" charset="-122"/>
                 </a:rPr>
-                <a:t>用户可以在投影仪或者计算机上进行演示也可以将演示文稿打印出来制作成胶片以便应用</a:t>
+                <a:t>简单介绍节点状态和初始化阶段选取</a:t>
               </a:r>
+              <a:r>
+                <a:rPr lang="en-US" altLang="zh-CN" sz="1600">
+                  <a:solidFill>
+                    <a:schemeClr val="tx1">
+                      <a:lumMod val="50000"/>
+                      <a:lumOff val="50000"/>
+                    </a:schemeClr>
+                  </a:solidFill>
+                  <a:latin typeface="迷你简准圆" panose="03000509000000000000" pitchFamily="65" charset="-122"/>
+                  <a:ea typeface="迷你简准圆" panose="03000509000000000000" pitchFamily="65" charset="-122"/>
+                </a:rPr>
+                <a:t>Leader</a:t>
+              </a:r>
+              <a:r>
+                <a:rPr lang="zh-CN" altLang="en-US" sz="1600">
+                  <a:solidFill>
+                    <a:schemeClr val="tx1">
+                      <a:lumMod val="50000"/>
+                      <a:lumOff val="50000"/>
+                    </a:schemeClr>
+                  </a:solidFill>
+                  <a:latin typeface="迷你简准圆" panose="03000509000000000000" pitchFamily="65" charset="-122"/>
+                  <a:ea typeface="迷你简准圆" panose="03000509000000000000" pitchFamily="65" charset="-122"/>
+                </a:rPr>
+                <a:t>以及运行时选取</a:t>
+              </a:r>
+              <a:r>
+                <a:rPr lang="en-US" altLang="zh-CN" sz="1600">
+                  <a:solidFill>
+                    <a:schemeClr val="tx1">
+                      <a:lumMod val="50000"/>
+                      <a:lumOff val="50000"/>
+                    </a:schemeClr>
+                  </a:solidFill>
+                  <a:latin typeface="迷你简准圆" panose="03000509000000000000" pitchFamily="65" charset="-122"/>
+                  <a:ea typeface="迷你简准圆" panose="03000509000000000000" pitchFamily="65" charset="-122"/>
+                </a:rPr>
+                <a:t>Leader</a:t>
+              </a:r>
+              <a:endParaRPr lang="zh-CN" altLang="en-US" sz="1600" dirty="0">
+                <a:solidFill>
+                  <a:schemeClr val="tx1">
+                    <a:lumMod val="50000"/>
+                    <a:lumOff val="50000"/>
+                  </a:schemeClr>
+                </a:solidFill>
+                <a:latin typeface="迷你简准圆" panose="03000509000000000000" pitchFamily="65" charset="-122"/>
+                <a:ea typeface="迷你简准圆" panose="03000509000000000000" pitchFamily="65" charset="-122"/>
+              </a:endParaRPr>
             </a:p>
           </p:txBody>
         </p:sp>
@@ -12171,7 +12240,7 @@
                 </a:lnSpc>
               </a:pPr>
               <a:r>
-                <a:rPr lang="zh-CN" altLang="en-US" sz="2400" b="1" dirty="0">
+                <a:rPr lang="zh-CN" altLang="en-US" sz="2400" b="1">
                   <a:solidFill>
                     <a:schemeClr val="tx1">
                       <a:lumMod val="65000"/>
@@ -12181,8 +12250,18 @@
                   <a:latin typeface="迷你简准圆" panose="03000509000000000000" pitchFamily="65" charset="-122"/>
                   <a:ea typeface="迷你简准圆" panose="03000509000000000000" pitchFamily="65" charset="-122"/>
                 </a:rPr>
-                <a:t>标题文字添加</a:t>
+                <a:t>集群选取机制</a:t>
               </a:r>
+              <a:endParaRPr lang="zh-CN" altLang="en-US" sz="2400" b="1" dirty="0">
+                <a:solidFill>
+                  <a:schemeClr val="tx1">
+                    <a:lumMod val="65000"/>
+                    <a:lumOff val="35000"/>
+                  </a:schemeClr>
+                </a:solidFill>
+                <a:latin typeface="迷你简准圆" panose="03000509000000000000" pitchFamily="65" charset="-122"/>
+                <a:ea typeface="迷你简准圆" panose="03000509000000000000" pitchFamily="65" charset="-122"/>
+              </a:endParaRPr>
             </a:p>
           </p:txBody>
         </p:sp>
@@ -12196,9 +12275,9 @@
         <p:grpSpPr>
           <a:xfrm>
             <a:off x="7696197" y="4173607"/>
-            <a:ext cx="3124204" cy="1461138"/>
+            <a:ext cx="3124204" cy="850074"/>
             <a:chOff x="1222214" y="3195403"/>
-            <a:chExt cx="3124204" cy="1461138"/>
+            <a:chExt cx="3124204" cy="850074"/>
           </a:xfrm>
         </p:grpSpPr>
         <p:sp>
@@ -12210,7 +12289,7 @@
           <p:spPr>
             <a:xfrm>
               <a:off x="1222214" y="3677812"/>
-              <a:ext cx="3124204" cy="978729"/>
+              <a:ext cx="3124204" cy="367665"/>
             </a:xfrm>
             <a:prstGeom prst="rect">
               <a:avLst/>
@@ -12233,7 +12312,7 @@
                 </a:lnSpc>
               </a:pPr>
               <a:r>
-                <a:rPr lang="zh-CN" altLang="en-US" sz="1600" dirty="0">
+                <a:rPr lang="zh-CN" altLang="en-US" sz="1600">
                   <a:solidFill>
                     <a:schemeClr val="tx1">
                       <a:lumMod val="50000"/>
@@ -12243,8 +12322,18 @@
                   <a:latin typeface="迷你简准圆" panose="03000509000000000000" pitchFamily="65" charset="-122"/>
                   <a:ea typeface="迷你简准圆" panose="03000509000000000000" pitchFamily="65" charset="-122"/>
                 </a:rPr>
-                <a:t>用户可以在投影仪或者计算机上进行演示也可以将演示文稿打印出来制作成胶片以便应用</a:t>
+                <a:t>可以学习集群搭建</a:t>
               </a:r>
+              <a:endParaRPr lang="zh-CN" altLang="en-US" sz="1600" dirty="0">
+                <a:solidFill>
+                  <a:schemeClr val="tx1">
+                    <a:lumMod val="50000"/>
+                    <a:lumOff val="50000"/>
+                  </a:schemeClr>
+                </a:solidFill>
+                <a:latin typeface="迷你简准圆" panose="03000509000000000000" pitchFamily="65" charset="-122"/>
+                <a:ea typeface="迷你简准圆" panose="03000509000000000000" pitchFamily="65" charset="-122"/>
+              </a:endParaRPr>
             </a:p>
           </p:txBody>
         </p:sp>
@@ -12280,7 +12369,7 @@
                 </a:lnSpc>
               </a:pPr>
               <a:r>
-                <a:rPr lang="zh-CN" altLang="en-US" sz="2400" b="1" dirty="0">
+                <a:rPr lang="zh-CN" altLang="en-US" sz="2400" b="1">
                   <a:solidFill>
                     <a:schemeClr val="tx1">
                       <a:lumMod val="65000"/>
@@ -12290,8 +12379,18 @@
                   <a:latin typeface="迷你简准圆" panose="03000509000000000000" pitchFamily="65" charset="-122"/>
                   <a:ea typeface="迷你简准圆" panose="03000509000000000000" pitchFamily="65" charset="-122"/>
                 </a:rPr>
-                <a:t>标题文字添加</a:t>
+                <a:t>集群搭建</a:t>
               </a:r>
+              <a:endParaRPr lang="zh-CN" altLang="en-US" sz="2400" b="1" dirty="0">
+                <a:solidFill>
+                  <a:schemeClr val="tx1">
+                    <a:lumMod val="65000"/>
+                    <a:lumOff val="35000"/>
+                  </a:schemeClr>
+                </a:solidFill>
+                <a:latin typeface="迷你简准圆" panose="03000509000000000000" pitchFamily="65" charset="-122"/>
+                <a:ea typeface="迷你简准圆" panose="03000509000000000000" pitchFamily="65" charset="-122"/>
+              </a:endParaRPr>
             </a:p>
           </p:txBody>
         </p:sp>
@@ -12305,9 +12404,9 @@
         <p:grpSpPr>
           <a:xfrm>
             <a:off x="2991388" y="188821"/>
-            <a:ext cx="6190713" cy="1025001"/>
+            <a:ext cx="7563273" cy="1025001"/>
             <a:chOff x="2991388" y="188821"/>
-            <a:chExt cx="6190713" cy="1025001"/>
+            <a:chExt cx="7563273" cy="1025001"/>
           </a:xfrm>
         </p:grpSpPr>
         <p:pic>
@@ -12343,7 +12442,7 @@
           <p:spPr>
             <a:xfrm>
               <a:off x="3568701" y="981161"/>
-              <a:ext cx="5613400" cy="140512"/>
+              <a:ext cx="6810584" cy="50454"/>
             </a:xfrm>
             <a:custGeom>
               <a:avLst/>
@@ -12478,7 +12577,7 @@
           <p:spPr>
             <a:xfrm>
               <a:off x="3594101" y="188821"/>
-              <a:ext cx="5109091" cy="830997"/>
+              <a:ext cx="6960560" cy="830997"/>
             </a:xfrm>
             <a:prstGeom prst="rect">
               <a:avLst/>
@@ -12492,7 +12591,7 @@
             <a:lstStyle/>
             <a:p>
               <a:r>
-                <a:rPr lang="zh-CN" altLang="en-US" sz="4800" dirty="0">
+                <a:rPr lang="en-US" altLang="zh-CN" sz="4800">
                   <a:ln>
                     <a:solidFill>
                       <a:srgbClr val="20201E"/>
@@ -12508,8 +12607,81 @@
                   <a:latin typeface="汉仪黑荔枝体简" panose="00020600040101010101" pitchFamily="18" charset="-122"/>
                   <a:ea typeface="汉仪黑荔枝体简" panose="00020600040101010101" pitchFamily="18" charset="-122"/>
                 </a:rPr>
-                <a:t>标题文字添加此处</a:t>
+                <a:t>Zookeeper-</a:t>
               </a:r>
+              <a:r>
+                <a:rPr lang="zh-CN" altLang="en-US" sz="4800">
+                  <a:ln>
+                    <a:solidFill>
+                      <a:srgbClr val="20201E"/>
+                    </a:solidFill>
+                  </a:ln>
+                  <a:blipFill dpi="0" rotWithShape="1">
+                    <a:blip r:embed="rId5"/>
+                    <a:srcRect/>
+                    <a:stretch>
+                      <a:fillRect/>
+                    </a:stretch>
+                  </a:blipFill>
+                  <a:latin typeface="汉仪黑荔枝体简" panose="00020600040101010101" pitchFamily="18" charset="-122"/>
+                  <a:ea typeface="汉仪黑荔枝体简" panose="00020600040101010101" pitchFamily="18" charset="-122"/>
+                </a:rPr>
+                <a:t>进阶篇</a:t>
+              </a:r>
+              <a:r>
+                <a:rPr lang="en-US" altLang="zh-CN" sz="4800">
+                  <a:ln>
+                    <a:solidFill>
+                      <a:srgbClr val="20201E"/>
+                    </a:solidFill>
+                  </a:ln>
+                  <a:blipFill dpi="0" rotWithShape="1">
+                    <a:blip r:embed="rId5"/>
+                    <a:srcRect/>
+                    <a:stretch>
+                      <a:fillRect/>
+                    </a:stretch>
+                  </a:blipFill>
+                  <a:latin typeface="汉仪黑荔枝体简" panose="00020600040101010101" pitchFamily="18" charset="-122"/>
+                  <a:ea typeface="汉仪黑荔枝体简" panose="00020600040101010101" pitchFamily="18" charset="-122"/>
+                </a:rPr>
+                <a:t>-</a:t>
+              </a:r>
+              <a:r>
+                <a:rPr lang="zh-CN" altLang="en-US" sz="4800">
+                  <a:ln>
+                    <a:solidFill>
+                      <a:srgbClr val="20201E"/>
+                    </a:solidFill>
+                  </a:ln>
+                  <a:blipFill dpi="0" rotWithShape="1">
+                    <a:blip r:embed="rId5"/>
+                    <a:srcRect/>
+                    <a:stretch>
+                      <a:fillRect/>
+                    </a:stretch>
+                  </a:blipFill>
+                  <a:latin typeface="汉仪黑荔枝体简" panose="00020600040101010101" pitchFamily="18" charset="-122"/>
+                  <a:ea typeface="汉仪黑荔枝体简" panose="00020600040101010101" pitchFamily="18" charset="-122"/>
+                </a:rPr>
+                <a:t>集群</a:t>
+              </a:r>
+              <a:endParaRPr lang="zh-CN" altLang="en-US" sz="4800" dirty="0">
+                <a:ln>
+                  <a:solidFill>
+                    <a:srgbClr val="20201E"/>
+                  </a:solidFill>
+                </a:ln>
+                <a:blipFill dpi="0" rotWithShape="1">
+                  <a:blip r:embed="rId5"/>
+                  <a:srcRect/>
+                  <a:stretch>
+                    <a:fillRect/>
+                  </a:stretch>
+                </a:blipFill>
+                <a:latin typeface="汉仪黑荔枝体简" panose="00020600040101010101" pitchFamily="18" charset="-122"/>
+                <a:ea typeface="汉仪黑荔枝体简" panose="00020600040101010101" pitchFamily="18" charset="-122"/>
+              </a:endParaRPr>
             </a:p>
           </p:txBody>
         </p:sp>
